--- a/Диплом/Белова.pptx
+++ b/Диплом/Белова.pptx
@@ -7,15 +7,16 @@
   <p:sldIdLst>
     <p:sldId id="256" r:id="rId2"/>
     <p:sldId id="257" r:id="rId3"/>
-    <p:sldId id="258" r:id="rId4"/>
-    <p:sldId id="259" r:id="rId5"/>
-    <p:sldId id="262" r:id="rId6"/>
-    <p:sldId id="265" r:id="rId7"/>
-    <p:sldId id="261" r:id="rId8"/>
-    <p:sldId id="260" r:id="rId9"/>
-    <p:sldId id="263" r:id="rId10"/>
-    <p:sldId id="264" r:id="rId11"/>
-    <p:sldId id="268" r:id="rId12"/>
+    <p:sldId id="269" r:id="rId4"/>
+    <p:sldId id="258" r:id="rId5"/>
+    <p:sldId id="259" r:id="rId6"/>
+    <p:sldId id="262" r:id="rId7"/>
+    <p:sldId id="265" r:id="rId8"/>
+    <p:sldId id="261" r:id="rId9"/>
+    <p:sldId id="260" r:id="rId10"/>
+    <p:sldId id="263" r:id="rId11"/>
+    <p:sldId id="264" r:id="rId12"/>
+    <p:sldId id="268" r:id="rId13"/>
   </p:sldIdLst>
   <p:sldSz cx="9144000" cy="6858000" type="screen4x3"/>
   <p:notesSz cx="7559675" cy="10691813"/>
@@ -2247,7 +2248,7 @@
         <p:spPr>
           <a:xfrm>
             <a:off x="0" y="151200"/>
-            <a:ext cx="9142200" cy="6396120"/>
+            <a:ext cx="9142200" cy="6523409"/>
           </a:xfrm>
           <a:prstGeom prst="rect">
             <a:avLst/>
@@ -2281,7 +2282,7 @@
               </a:lnSpc>
             </a:pPr>
             <a:r>
-              <a:rPr lang="ru-RU" sz="2000" b="0" strike="noStrike" spc="-1">
+              <a:rPr lang="ru-RU" sz="2000" b="0" strike="noStrike" spc="-1" dirty="0">
                 <a:solidFill>
                   <a:srgbClr val="000000"/>
                 </a:solidFill>
@@ -2290,7 +2291,7 @@
               </a:rPr>
               <a:t>автономное профессиональное образовательное учреждение</a:t>
             </a:r>
-            <a:endParaRPr lang="ru-RU" sz="2000" b="0" strike="noStrike" spc="-1">
+            <a:endParaRPr lang="ru-RU" sz="2000" b="0" strike="noStrike" spc="-1" dirty="0">
               <a:latin typeface="Arial"/>
             </a:endParaRPr>
           </a:p>
@@ -2301,7 +2302,7 @@
               </a:lnSpc>
             </a:pPr>
             <a:r>
-              <a:rPr lang="ru-RU" sz="2000" b="0" strike="noStrike" spc="-1">
+              <a:rPr lang="ru-RU" sz="2000" b="0" strike="noStrike" spc="-1" dirty="0">
                 <a:solidFill>
                   <a:srgbClr val="000000"/>
                 </a:solidFill>
@@ -2310,7 +2311,7 @@
               </a:rPr>
               <a:t>Вологодской области</a:t>
             </a:r>
-            <a:endParaRPr lang="ru-RU" sz="2000" b="0" strike="noStrike" spc="-1">
+            <a:endParaRPr lang="ru-RU" sz="2000" b="0" strike="noStrike" spc="-1" dirty="0">
               <a:latin typeface="Arial"/>
             </a:endParaRPr>
           </a:p>
@@ -2321,7 +2322,7 @@
               </a:lnSpc>
             </a:pPr>
             <a:r>
-              <a:rPr lang="ru-RU" sz="2000" b="0" strike="noStrike" spc="-1">
+              <a:rPr lang="ru-RU" sz="2000" b="0" strike="noStrike" spc="-1" dirty="0">
                 <a:solidFill>
                   <a:srgbClr val="000000"/>
                 </a:solidFill>
@@ -2330,7 +2331,7 @@
               </a:rPr>
               <a:t>«Вологодский колледж связи и информационных технологий»</a:t>
             </a:r>
-            <a:endParaRPr lang="ru-RU" sz="2000" b="0" strike="noStrike" spc="-1">
+            <a:endParaRPr lang="ru-RU" sz="2000" b="0" strike="noStrike" spc="-1" dirty="0">
               <a:latin typeface="Arial"/>
             </a:endParaRPr>
           </a:p>
@@ -2340,7 +2341,7 @@
                 <a:spcPct val="100000"/>
               </a:lnSpc>
             </a:pPr>
-            <a:endParaRPr lang="ru-RU" sz="2000" b="0" strike="noStrike" spc="-1">
+            <a:endParaRPr lang="ru-RU" sz="2000" b="0" strike="noStrike" spc="-1" dirty="0">
               <a:latin typeface="Arial"/>
             </a:endParaRPr>
           </a:p>
@@ -2350,7 +2351,7 @@
                 <a:spcPct val="100000"/>
               </a:lnSpc>
             </a:pPr>
-            <a:endParaRPr lang="ru-RU" sz="2000" b="0" strike="noStrike" spc="-1">
+            <a:endParaRPr lang="ru-RU" sz="2000" b="0" strike="noStrike" spc="-1" dirty="0">
               <a:latin typeface="Arial"/>
             </a:endParaRPr>
           </a:p>
@@ -2360,7 +2361,27 @@
                 <a:spcPct val="100000"/>
               </a:lnSpc>
             </a:pPr>
-            <a:endParaRPr lang="ru-RU" sz="2000" b="0" strike="noStrike" spc="-1">
+            <a:endParaRPr lang="ru-RU" sz="2000" b="0" strike="noStrike" spc="-1" dirty="0">
+              <a:latin typeface="Arial"/>
+            </a:endParaRPr>
+          </a:p>
+          <a:p>
+            <a:pPr>
+              <a:lnSpc>
+                <a:spcPct val="100000"/>
+              </a:lnSpc>
+            </a:pPr>
+            <a:endParaRPr lang="ru-RU" sz="2000" spc="-1" dirty="0">
+              <a:latin typeface="Arial"/>
+            </a:endParaRPr>
+          </a:p>
+          <a:p>
+            <a:pPr>
+              <a:lnSpc>
+                <a:spcPct val="100000"/>
+              </a:lnSpc>
+            </a:pPr>
+            <a:endParaRPr lang="ru-RU" sz="2000" b="0" strike="noStrike" spc="-1" dirty="0">
               <a:latin typeface="Arial"/>
             </a:endParaRPr>
           </a:p>
@@ -2371,57 +2392,7 @@
               </a:lnSpc>
             </a:pPr>
             <a:r>
-              <a:rPr lang="ru-RU" sz="1800" b="1" strike="noStrike" spc="-1">
-                <a:solidFill>
-                  <a:srgbClr val="000000"/>
-                </a:solidFill>
-                <a:latin typeface="Times New Roman"/>
-                <a:ea typeface="DejaVu Sans"/>
-              </a:rPr>
-              <a:t>КУРСОВОЙ ПРОЕКТ</a:t>
-            </a:r>
-            <a:endParaRPr lang="ru-RU" sz="1800" b="0" strike="noStrike" spc="-1">
-              <a:latin typeface="Arial"/>
-            </a:endParaRPr>
-          </a:p>
-          <a:p>
-            <a:pPr algn="ctr">
-              <a:lnSpc>
-                <a:spcPct val="100000"/>
-              </a:lnSpc>
-            </a:pPr>
-            <a:r>
-              <a:rPr lang="ru-RU" sz="1800" b="1" strike="noStrike" spc="-1">
-                <a:solidFill>
-                  <a:srgbClr val="000000"/>
-                </a:solidFill>
-                <a:latin typeface="Times New Roman"/>
-                <a:ea typeface="DejaVu Sans"/>
-              </a:rPr>
-              <a:t>ТЕМА</a:t>
-            </a:r>
-            <a:r>
-              <a:rPr lang="en-US" sz="1800" b="1" strike="noStrike" spc="-1">
-                <a:solidFill>
-                  <a:srgbClr val="000000"/>
-                </a:solidFill>
-                <a:latin typeface="Times New Roman"/>
-                <a:ea typeface="DejaVu Sans"/>
-              </a:rPr>
-              <a:t>:</a:t>
-            </a:r>
-            <a:endParaRPr lang="ru-RU" sz="1800" b="0" strike="noStrike" spc="-1">
-              <a:latin typeface="Arial"/>
-            </a:endParaRPr>
-          </a:p>
-          <a:p>
-            <a:pPr algn="ctr">
-              <a:lnSpc>
-                <a:spcPct val="100000"/>
-              </a:lnSpc>
-            </a:pPr>
-            <a:r>
-              <a:rPr lang="ru-RU" sz="1800" b="1" strike="noStrike" cap="all" spc="-1">
+              <a:rPr lang="ru-RU" sz="1800" b="1" strike="noStrike" cap="all" spc="-1" dirty="0">
                 <a:solidFill>
                   <a:srgbClr val="000000"/>
                 </a:solidFill>
@@ -2430,7 +2401,7 @@
               </a:rPr>
               <a:t>Проектирование и разработка веб-приложения для ФЛОРИСТИЧЕСКОЙ КОМПАНИИ «она хочет цветы»</a:t>
             </a:r>
-            <a:endParaRPr lang="ru-RU" sz="1800" b="0" strike="noStrike" spc="-1">
+            <a:endParaRPr lang="ru-RU" sz="1800" b="0" strike="noStrike" spc="-1" dirty="0">
               <a:latin typeface="Arial"/>
             </a:endParaRPr>
           </a:p>
@@ -2440,7 +2411,7 @@
                 <a:spcPct val="100000"/>
               </a:lnSpc>
             </a:pPr>
-            <a:endParaRPr lang="ru-RU" sz="1800" b="0" strike="noStrike" spc="-1">
+            <a:endParaRPr lang="ru-RU" sz="1800" b="0" strike="noStrike" spc="-1" dirty="0">
               <a:latin typeface="Arial"/>
             </a:endParaRPr>
           </a:p>
@@ -2450,7 +2421,7 @@
                 <a:spcPct val="100000"/>
               </a:lnSpc>
             </a:pPr>
-            <a:endParaRPr lang="ru-RU" sz="1800" b="0" strike="noStrike" spc="-1">
+            <a:endParaRPr lang="ru-RU" sz="1800" b="0" strike="noStrike" spc="-1" dirty="0">
               <a:latin typeface="Arial"/>
             </a:endParaRPr>
           </a:p>
@@ -2461,7 +2432,7 @@
               </a:lnSpc>
             </a:pPr>
             <a:r>
-              <a:rPr lang="ru-RU" sz="1400" b="0" strike="noStrike" spc="-1">
+              <a:rPr lang="ru-RU" sz="1400" b="0" strike="noStrike" spc="-1" dirty="0">
                 <a:solidFill>
                   <a:srgbClr val="000000"/>
                 </a:solidFill>
@@ -2470,7 +2441,7 @@
               </a:rPr>
               <a:t>Студент группы ИСП-420р: </a:t>
             </a:r>
-            <a:endParaRPr lang="ru-RU" sz="1400" b="0" strike="noStrike" spc="-1">
+            <a:endParaRPr lang="ru-RU" sz="1400" b="0" strike="noStrike" spc="-1" dirty="0">
               <a:latin typeface="Arial"/>
             </a:endParaRPr>
           </a:p>
@@ -2481,7 +2452,7 @@
               </a:lnSpc>
             </a:pPr>
             <a:r>
-              <a:rPr lang="ru-RU" sz="1400" b="0" strike="noStrike" spc="-1">
+              <a:rPr lang="ru-RU" sz="1400" b="0" strike="noStrike" spc="-1" dirty="0">
                 <a:solidFill>
                   <a:srgbClr val="000000"/>
                 </a:solidFill>
@@ -2490,7 +2461,7 @@
               </a:rPr>
               <a:t>Белова Карина Алексеевна</a:t>
             </a:r>
-            <a:endParaRPr lang="ru-RU" sz="1400" b="0" strike="noStrike" spc="-1">
+            <a:endParaRPr lang="ru-RU" sz="1400" b="0" strike="noStrike" spc="-1" dirty="0">
               <a:latin typeface="Arial"/>
             </a:endParaRPr>
           </a:p>
@@ -2501,7 +2472,7 @@
               </a:lnSpc>
             </a:pPr>
             <a:r>
-              <a:rPr lang="ru-RU" sz="1400" b="0" strike="noStrike" spc="-1">
+              <a:rPr lang="ru-RU" sz="1400" b="0" strike="noStrike" spc="-1" dirty="0">
                 <a:solidFill>
                   <a:srgbClr val="000000"/>
                 </a:solidFill>
@@ -2510,7 +2481,7 @@
               </a:rPr>
               <a:t>Руководитель курсовой работы:</a:t>
             </a:r>
-            <a:endParaRPr lang="ru-RU" sz="1400" b="0" strike="noStrike" spc="-1">
+            <a:endParaRPr lang="ru-RU" sz="1400" b="0" strike="noStrike" spc="-1" dirty="0">
               <a:latin typeface="Arial"/>
             </a:endParaRPr>
           </a:p>
@@ -2521,86 +2492,26 @@
               </a:lnSpc>
             </a:pPr>
             <a:r>
-              <a:rPr lang="ru-RU" sz="1400" b="0" strike="noStrike" spc="-1">
+              <a:rPr lang="ru-RU" sz="1400" b="0" strike="noStrike" spc="-1" dirty="0" err="1">
                 <a:solidFill>
                   <a:srgbClr val="000000"/>
                 </a:solidFill>
                 <a:latin typeface="Times New Roman"/>
                 <a:ea typeface="Calibri"/>
               </a:rPr>
-              <a:t>Дусанюк Роман Андреевич</a:t>
-            </a:r>
-            <a:endParaRPr lang="ru-RU" sz="1400" b="0" strike="noStrike" spc="-1">
-              <a:latin typeface="Arial"/>
-            </a:endParaRPr>
-          </a:p>
-          <a:p>
-            <a:pPr algn="ctr">
-              <a:lnSpc>
-                <a:spcPct val="100000"/>
-              </a:lnSpc>
-            </a:pPr>
-            <a:endParaRPr lang="ru-RU" sz="1400" b="0" strike="noStrike" spc="-1">
-              <a:latin typeface="Arial"/>
-            </a:endParaRPr>
-          </a:p>
-          <a:p>
-            <a:pPr algn="ctr">
-              <a:lnSpc>
-                <a:spcPct val="100000"/>
-              </a:lnSpc>
-            </a:pPr>
-            <a:endParaRPr lang="ru-RU" sz="1400" b="0" strike="noStrike" spc="-1">
-              <a:latin typeface="Arial"/>
-            </a:endParaRPr>
-          </a:p>
-          <a:p>
-            <a:pPr algn="ctr">
-              <a:lnSpc>
-                <a:spcPct val="100000"/>
-              </a:lnSpc>
-            </a:pPr>
-            <a:endParaRPr lang="ru-RU" sz="1400" b="0" strike="noStrike" spc="-1">
-              <a:latin typeface="Arial"/>
-            </a:endParaRPr>
-          </a:p>
-          <a:p>
-            <a:pPr algn="ctr">
-              <a:lnSpc>
-                <a:spcPct val="100000"/>
-              </a:lnSpc>
-            </a:pPr>
-            <a:endParaRPr lang="ru-RU" sz="1400" b="0" strike="noStrike" spc="-1">
-              <a:latin typeface="Arial"/>
-            </a:endParaRPr>
-          </a:p>
-          <a:p>
-            <a:pPr algn="ctr">
-              <a:lnSpc>
-                <a:spcPct val="100000"/>
-              </a:lnSpc>
-            </a:pPr>
-            <a:endParaRPr lang="ru-RU" sz="1400" b="0" strike="noStrike" spc="-1">
-              <a:latin typeface="Arial"/>
-            </a:endParaRPr>
-          </a:p>
-          <a:p>
-            <a:pPr algn="ctr">
-              <a:lnSpc>
-                <a:spcPct val="100000"/>
-              </a:lnSpc>
-            </a:pPr>
-            <a:r>
-              <a:rPr lang="ru-RU" sz="1600" b="0" strike="noStrike" spc="-1">
+              <a:t>Дусанюк</a:t>
+            </a:r>
+            <a:r>
+              <a:rPr lang="ru-RU" sz="1400" b="0" strike="noStrike" spc="-1" dirty="0">
                 <a:solidFill>
                   <a:srgbClr val="000000"/>
                 </a:solidFill>
                 <a:latin typeface="Times New Roman"/>
                 <a:ea typeface="Calibri"/>
               </a:rPr>
-              <a:t>Вологда,</a:t>
-            </a:r>
-            <a:endParaRPr lang="ru-RU" sz="1600" b="0" strike="noStrike" spc="-1">
+              <a:t> Роман Андреевич</a:t>
+            </a:r>
+            <a:endParaRPr lang="ru-RU" sz="1400" b="0" strike="noStrike" spc="-1" dirty="0">
               <a:latin typeface="Arial"/>
             </a:endParaRPr>
           </a:p>
@@ -2610,37 +2521,107 @@
                 <a:spcPct val="100000"/>
               </a:lnSpc>
             </a:pPr>
-            <a:r>
-              <a:rPr lang="ru-RU" sz="1600" b="0" strike="noStrike" spc="-1">
+            <a:endParaRPr lang="ru-RU" sz="1400" b="0" strike="noStrike" spc="-1" dirty="0">
+              <a:latin typeface="Arial"/>
+            </a:endParaRPr>
+          </a:p>
+          <a:p>
+            <a:pPr algn="ctr">
+              <a:lnSpc>
+                <a:spcPct val="100000"/>
+              </a:lnSpc>
+            </a:pPr>
+            <a:endParaRPr lang="ru-RU" sz="1400" b="0" strike="noStrike" spc="-1" dirty="0">
+              <a:latin typeface="Arial"/>
+            </a:endParaRPr>
+          </a:p>
+          <a:p>
+            <a:pPr algn="ctr">
+              <a:lnSpc>
+                <a:spcPct val="100000"/>
+              </a:lnSpc>
+            </a:pPr>
+            <a:endParaRPr lang="ru-RU" sz="1400" b="0" strike="noStrike" spc="-1" dirty="0">
+              <a:latin typeface="Arial"/>
+            </a:endParaRPr>
+          </a:p>
+          <a:p>
+            <a:pPr algn="ctr">
+              <a:lnSpc>
+                <a:spcPct val="100000"/>
+              </a:lnSpc>
+            </a:pPr>
+            <a:endParaRPr lang="ru-RU" sz="1400" b="0" strike="noStrike" spc="-1" dirty="0">
+              <a:latin typeface="Arial"/>
+            </a:endParaRPr>
+          </a:p>
+          <a:p>
+            <a:pPr algn="ctr">
+              <a:lnSpc>
+                <a:spcPct val="100000"/>
+              </a:lnSpc>
+            </a:pPr>
+            <a:endParaRPr lang="ru-RU" sz="1400" b="0" strike="noStrike" spc="-1" dirty="0">
+              <a:latin typeface="Arial"/>
+            </a:endParaRPr>
+          </a:p>
+          <a:p>
+            <a:pPr algn="ctr">
+              <a:lnSpc>
+                <a:spcPct val="100000"/>
+              </a:lnSpc>
+            </a:pPr>
+            <a:r>
+              <a:rPr lang="ru-RU" sz="1600" b="0" strike="noStrike" spc="-1" dirty="0">
                 <a:solidFill>
                   <a:srgbClr val="000000"/>
                 </a:solidFill>
                 <a:latin typeface="Times New Roman"/>
                 <a:ea typeface="Calibri"/>
               </a:rPr>
-              <a:t>202</a:t>
-            </a:r>
-            <a:r>
-              <a:rPr lang="en-US" sz="1600" b="0" strike="noStrike" spc="-1">
+              <a:t>Вологда,</a:t>
+            </a:r>
+            <a:endParaRPr lang="ru-RU" sz="1600" b="0" strike="noStrike" spc="-1" dirty="0">
+              <a:latin typeface="Arial"/>
+            </a:endParaRPr>
+          </a:p>
+          <a:p>
+            <a:pPr algn="ctr">
+              <a:lnSpc>
+                <a:spcPct val="100000"/>
+              </a:lnSpc>
+            </a:pPr>
+            <a:r>
+              <a:rPr lang="ru-RU" sz="1600" b="0" strike="noStrike" spc="-1" dirty="0">
                 <a:solidFill>
                   <a:srgbClr val="000000"/>
                 </a:solidFill>
                 <a:latin typeface="Times New Roman"/>
                 <a:ea typeface="Calibri"/>
               </a:rPr>
-              <a:t>4</a:t>
-            </a:r>
-            <a:r>
-              <a:rPr lang="ru-RU" sz="1600" b="0" strike="noStrike" spc="-1">
+              <a:t>202</a:t>
+            </a:r>
+            <a:r>
+              <a:rPr lang="en-US" sz="1600" b="0" strike="noStrike" spc="-1" dirty="0">
                 <a:solidFill>
                   <a:srgbClr val="000000"/>
                 </a:solidFill>
                 <a:latin typeface="Times New Roman"/>
                 <a:ea typeface="Calibri"/>
               </a:rPr>
+              <a:t>4</a:t>
+            </a:r>
+            <a:r>
+              <a:rPr lang="ru-RU" sz="1600" b="0" strike="noStrike" spc="-1" dirty="0">
+                <a:solidFill>
+                  <a:srgbClr val="000000"/>
+                </a:solidFill>
+                <a:latin typeface="Times New Roman"/>
+                <a:ea typeface="Calibri"/>
+              </a:rPr>
               <a:t>г.</a:t>
             </a:r>
-            <a:endParaRPr lang="ru-RU" sz="1600" b="0" strike="noStrike" spc="-1">
+            <a:endParaRPr lang="ru-RU" sz="1600" b="0" strike="noStrike" spc="-1" dirty="0">
               <a:latin typeface="Arial"/>
             </a:endParaRPr>
           </a:p>
@@ -2696,6 +2677,374 @@
       </p:grpSpPr>
       <p:pic>
         <p:nvPicPr>
+          <p:cNvPr id="70" name="Picture 3"/>
+          <p:cNvPicPr/>
+          <p:nvPr/>
+        </p:nvPicPr>
+        <p:blipFill>
+          <a:blip r:embed="rId2"/>
+          <a:stretch/>
+        </p:blipFill>
+        <p:spPr>
+          <a:xfrm>
+            <a:off x="181800" y="222480"/>
+            <a:ext cx="711000" cy="711000"/>
+          </a:xfrm>
+          <a:prstGeom prst="rect">
+            <a:avLst/>
+          </a:prstGeom>
+          <a:ln w="0">
+            <a:noFill/>
+          </a:ln>
+        </p:spPr>
+      </p:pic>
+      <p:sp>
+        <p:nvSpPr>
+          <p:cNvPr id="71" name="TextBox 1"/>
+          <p:cNvSpPr/>
+          <p:nvPr/>
+        </p:nvSpPr>
+        <p:spPr>
+          <a:xfrm>
+            <a:off x="3621702" y="222480"/>
+            <a:ext cx="2479118" cy="398655"/>
+          </a:xfrm>
+          <a:prstGeom prst="rect">
+            <a:avLst/>
+          </a:prstGeom>
+          <a:noFill/>
+          <a:ln w="0">
+            <a:noFill/>
+          </a:ln>
+        </p:spPr>
+        <p:style>
+          <a:lnRef idx="0">
+            <a:scrgbClr r="0" g="0" b="0"/>
+          </a:lnRef>
+          <a:fillRef idx="0">
+            <a:scrgbClr r="0" g="0" b="0"/>
+          </a:fillRef>
+          <a:effectRef idx="0">
+            <a:scrgbClr r="0" g="0" b="0"/>
+          </a:effectRef>
+          <a:fontRef idx="minor"/>
+        </p:style>
+        <p:txBody>
+          <a:bodyPr wrap="none" lIns="90000" tIns="45000" rIns="90000" bIns="45000" anchor="t">
+            <a:spAutoFit/>
+          </a:bodyPr>
+          <a:lstStyle/>
+          <a:p>
+            <a:pPr algn="ctr">
+              <a:lnSpc>
+                <a:spcPct val="100000"/>
+              </a:lnSpc>
+            </a:pPr>
+            <a:r>
+              <a:rPr lang="ru-RU" sz="2000" spc="-1" dirty="0">
+                <a:solidFill>
+                  <a:srgbClr val="000000"/>
+                </a:solidFill>
+                <a:latin typeface="Times New Roman"/>
+                <a:ea typeface="DejaVu Sans"/>
+              </a:rPr>
+              <a:t>С</a:t>
+            </a:r>
+            <a:r>
+              <a:rPr lang="ru-RU" sz="2000" b="0" strike="noStrike" spc="-1" dirty="0">
+                <a:solidFill>
+                  <a:srgbClr val="000000"/>
+                </a:solidFill>
+                <a:latin typeface="Times New Roman"/>
+                <a:ea typeface="DejaVu Sans"/>
+              </a:rPr>
+              <a:t>траница «корзина» </a:t>
+            </a:r>
+            <a:endParaRPr lang="ru-RU" sz="2000" b="0" strike="noStrike" spc="-1" dirty="0">
+              <a:latin typeface="Arial"/>
+            </a:endParaRPr>
+          </a:p>
+        </p:txBody>
+      </p:sp>
+      <p:sp>
+        <p:nvSpPr>
+          <p:cNvPr id="7" name="TextBox 13">
+            <a:extLst>
+              <a:ext uri="{FF2B5EF4-FFF2-40B4-BE49-F238E27FC236}">
+                <a16:creationId xmlns:a16="http://schemas.microsoft.com/office/drawing/2014/main" id="{8B3FCEBF-54DB-4A44-9690-DF2BFFE6684E}"/>
+              </a:ext>
+            </a:extLst>
+          </p:cNvPr>
+          <p:cNvSpPr/>
+          <p:nvPr/>
+        </p:nvSpPr>
+        <p:spPr>
+          <a:xfrm>
+            <a:off x="1690962" y="4825440"/>
+            <a:ext cx="798913" cy="367878"/>
+          </a:xfrm>
+          <a:prstGeom prst="rect">
+            <a:avLst/>
+          </a:prstGeom>
+          <a:noFill/>
+          <a:ln w="0">
+            <a:noFill/>
+          </a:ln>
+        </p:spPr>
+        <p:style>
+          <a:lnRef idx="0">
+            <a:scrgbClr r="0" g="0" b="0"/>
+          </a:lnRef>
+          <a:fillRef idx="0">
+            <a:scrgbClr r="0" g="0" b="0"/>
+          </a:fillRef>
+          <a:effectRef idx="0">
+            <a:scrgbClr r="0" g="0" b="0"/>
+          </a:effectRef>
+          <a:fontRef idx="minor"/>
+        </p:style>
+        <p:txBody>
+          <a:bodyPr wrap="none" lIns="90000" tIns="45000" rIns="90000" bIns="45000" anchor="t">
+            <a:spAutoFit/>
+          </a:bodyPr>
+          <a:lstStyle/>
+          <a:p>
+            <a:pPr algn="ctr">
+              <a:lnSpc>
+                <a:spcPct val="100000"/>
+              </a:lnSpc>
+            </a:pPr>
+            <a:r>
+              <a:rPr lang="ru-RU" b="0" strike="noStrike" spc="-1" dirty="0">
+                <a:solidFill>
+                  <a:srgbClr val="000000"/>
+                </a:solidFill>
+                <a:latin typeface="Times New Roman"/>
+                <a:ea typeface="DejaVu Sans"/>
+              </a:rPr>
+              <a:t>Макет</a:t>
+            </a:r>
+            <a:endParaRPr lang="ru-RU" b="0" strike="noStrike" spc="-1" dirty="0">
+              <a:latin typeface="Arial"/>
+            </a:endParaRPr>
+          </a:p>
+        </p:txBody>
+      </p:sp>
+      <p:sp>
+        <p:nvSpPr>
+          <p:cNvPr id="8" name="TextBox 14">
+            <a:extLst>
+              <a:ext uri="{FF2B5EF4-FFF2-40B4-BE49-F238E27FC236}">
+                <a16:creationId xmlns:a16="http://schemas.microsoft.com/office/drawing/2014/main" id="{01657936-5250-4BC4-9A7E-33CCB799551F}"/>
+              </a:ext>
+            </a:extLst>
+          </p:cNvPr>
+          <p:cNvSpPr/>
+          <p:nvPr/>
+        </p:nvSpPr>
+        <p:spPr>
+          <a:xfrm>
+            <a:off x="4624650" y="4825440"/>
+            <a:ext cx="902340" cy="367878"/>
+          </a:xfrm>
+          <a:prstGeom prst="rect">
+            <a:avLst/>
+          </a:prstGeom>
+          <a:noFill/>
+          <a:ln w="0">
+            <a:noFill/>
+          </a:ln>
+        </p:spPr>
+        <p:style>
+          <a:lnRef idx="0">
+            <a:scrgbClr r="0" g="0" b="0"/>
+          </a:lnRef>
+          <a:fillRef idx="0">
+            <a:scrgbClr r="0" g="0" b="0"/>
+          </a:fillRef>
+          <a:effectRef idx="0">
+            <a:scrgbClr r="0" g="0" b="0"/>
+          </a:effectRef>
+          <a:fontRef idx="minor"/>
+        </p:style>
+        <p:txBody>
+          <a:bodyPr wrap="none" lIns="90000" tIns="45000" rIns="90000" bIns="45000" anchor="t">
+            <a:spAutoFit/>
+          </a:bodyPr>
+          <a:lstStyle/>
+          <a:p>
+            <a:pPr algn="ctr">
+              <a:lnSpc>
+                <a:spcPct val="100000"/>
+              </a:lnSpc>
+            </a:pPr>
+            <a:r>
+              <a:rPr lang="ru-RU" b="0" strike="noStrike" spc="-1" dirty="0">
+                <a:solidFill>
+                  <a:srgbClr val="000000"/>
+                </a:solidFill>
+                <a:latin typeface="Times New Roman"/>
+                <a:ea typeface="DejaVu Sans"/>
+              </a:rPr>
+              <a:t>Дизайн</a:t>
+            </a:r>
+            <a:endParaRPr lang="ru-RU" b="0" strike="noStrike" spc="-1" dirty="0">
+              <a:latin typeface="Arial"/>
+            </a:endParaRPr>
+          </a:p>
+        </p:txBody>
+      </p:sp>
+      <p:sp>
+        <p:nvSpPr>
+          <p:cNvPr id="9" name="TextBox 15">
+            <a:extLst>
+              <a:ext uri="{FF2B5EF4-FFF2-40B4-BE49-F238E27FC236}">
+                <a16:creationId xmlns:a16="http://schemas.microsoft.com/office/drawing/2014/main" id="{511E2350-8DF0-4EB6-9187-A1C06700B308}"/>
+              </a:ext>
+            </a:extLst>
+          </p:cNvPr>
+          <p:cNvSpPr/>
+          <p:nvPr/>
+        </p:nvSpPr>
+        <p:spPr>
+          <a:xfrm>
+            <a:off x="7315515" y="4825440"/>
+            <a:ext cx="967679" cy="367878"/>
+          </a:xfrm>
+          <a:prstGeom prst="rect">
+            <a:avLst/>
+          </a:prstGeom>
+          <a:noFill/>
+          <a:ln w="0">
+            <a:noFill/>
+          </a:ln>
+        </p:spPr>
+        <p:style>
+          <a:lnRef idx="0">
+            <a:scrgbClr r="0" g="0" b="0"/>
+          </a:lnRef>
+          <a:fillRef idx="0">
+            <a:scrgbClr r="0" g="0" b="0"/>
+          </a:fillRef>
+          <a:effectRef idx="0">
+            <a:scrgbClr r="0" g="0" b="0"/>
+          </a:effectRef>
+          <a:fontRef idx="minor"/>
+        </p:style>
+        <p:txBody>
+          <a:bodyPr wrap="none" lIns="90000" tIns="45000" rIns="90000" bIns="45000" anchor="t">
+            <a:spAutoFit/>
+          </a:bodyPr>
+          <a:lstStyle/>
+          <a:p>
+            <a:pPr algn="ctr">
+              <a:lnSpc>
+                <a:spcPct val="100000"/>
+              </a:lnSpc>
+            </a:pPr>
+            <a:r>
+              <a:rPr lang="ru-RU" b="0" strike="noStrike" spc="-1" dirty="0">
+                <a:solidFill>
+                  <a:srgbClr val="000000"/>
+                </a:solidFill>
+                <a:latin typeface="Times New Roman"/>
+                <a:ea typeface="DejaVu Sans"/>
+              </a:rPr>
+              <a:t>Верстка</a:t>
+            </a:r>
+            <a:endParaRPr lang="ru-RU" b="0" strike="noStrike" spc="-1" dirty="0">
+              <a:latin typeface="Arial"/>
+            </a:endParaRPr>
+          </a:p>
+        </p:txBody>
+      </p:sp>
+      <p:pic>
+        <p:nvPicPr>
+          <p:cNvPr id="5" name="Рисунок 4">
+            <a:extLst>
+              <a:ext uri="{FF2B5EF4-FFF2-40B4-BE49-F238E27FC236}">
+                <a16:creationId xmlns:a16="http://schemas.microsoft.com/office/drawing/2014/main" id="{C71F9044-30D0-4A8E-83E0-7BA18E9C8B50}"/>
+              </a:ext>
+            </a:extLst>
+          </p:cNvPr>
+          <p:cNvPicPr>
+            <a:picLocks noChangeAspect="1"/>
+          </p:cNvPicPr>
+          <p:nvPr/>
+        </p:nvPicPr>
+        <p:blipFill>
+          <a:blip r:embed="rId3"/>
+          <a:stretch>
+            <a:fillRect/>
+          </a:stretch>
+        </p:blipFill>
+        <p:spPr>
+          <a:xfrm>
+            <a:off x="3472011" y="1311645"/>
+            <a:ext cx="5458924" cy="3375765"/>
+          </a:xfrm>
+          <a:prstGeom prst="rect">
+            <a:avLst/>
+          </a:prstGeom>
+        </p:spPr>
+      </p:pic>
+      <p:pic>
+        <p:nvPicPr>
+          <p:cNvPr id="10" name="Рисунок 9">
+            <a:extLst>
+              <a:ext uri="{FF2B5EF4-FFF2-40B4-BE49-F238E27FC236}">
+                <a16:creationId xmlns:a16="http://schemas.microsoft.com/office/drawing/2014/main" id="{E2BF6B8D-21E1-434B-8F3B-E8B4EE19B4DA}"/>
+              </a:ext>
+            </a:extLst>
+          </p:cNvPr>
+          <p:cNvPicPr>
+            <a:picLocks noChangeAspect="1"/>
+          </p:cNvPicPr>
+          <p:nvPr/>
+        </p:nvPicPr>
+        <p:blipFill>
+          <a:blip r:embed="rId4"/>
+          <a:stretch>
+            <a:fillRect/>
+          </a:stretch>
+        </p:blipFill>
+        <p:spPr>
+          <a:xfrm>
+            <a:off x="149359" y="1440369"/>
+            <a:ext cx="3296861" cy="3118315"/>
+          </a:xfrm>
+          <a:prstGeom prst="rect">
+            <a:avLst/>
+          </a:prstGeom>
+        </p:spPr>
+      </p:pic>
+    </p:spTree>
+  </p:cSld>
+  <p:clrMapOvr>
+    <a:masterClrMapping/>
+  </p:clrMapOvr>
+</p:sld>
+</file>
+
+<file path=ppt/slides/slide11.xml><?xml version="1.0" encoding="utf-8"?>
+<p:sld xmlns:a="http://schemas.openxmlformats.org/drawingml/2006/main" xmlns:r="http://schemas.openxmlformats.org/officeDocument/2006/relationships" xmlns:p="http://schemas.openxmlformats.org/presentationml/2006/main">
+  <p:cSld>
+    <p:spTree>
+      <p:nvGrpSpPr>
+        <p:cNvPr id="1" name=""/>
+        <p:cNvGrpSpPr/>
+        <p:nvPr/>
+      </p:nvGrpSpPr>
+      <p:grpSpPr>
+        <a:xfrm>
+          <a:off x="0" y="0"/>
+          <a:ext cx="0" cy="0"/>
+          <a:chOff x="0" y="0"/>
+          <a:chExt cx="0" cy="0"/>
+        </a:xfrm>
+      </p:grpSpPr>
+      <p:pic>
+        <p:nvPicPr>
           <p:cNvPr id="75" name="Picture 1"/>
           <p:cNvPicPr/>
           <p:nvPr/>
@@ -2831,8 +3180,8 @@
         </p:nvSpPr>
         <p:spPr>
           <a:xfrm>
-            <a:off x="1660219" y="4825440"/>
-            <a:ext cx="860400" cy="394560"/>
+            <a:off x="1690962" y="4825440"/>
+            <a:ext cx="798913" cy="367878"/>
           </a:xfrm>
           <a:prstGeom prst="rect">
             <a:avLst/>
@@ -2866,7 +3215,7 @@
               </a:lnSpc>
             </a:pPr>
             <a:r>
-              <a:rPr lang="ru-RU" sz="2000" b="0" strike="noStrike" spc="-1" dirty="0">
+              <a:rPr lang="ru-RU" b="0" strike="noStrike" spc="-1" dirty="0">
                 <a:solidFill>
                   <a:srgbClr val="000000"/>
                 </a:solidFill>
@@ -2875,7 +3224,7 @@
               </a:rPr>
               <a:t>Макет</a:t>
             </a:r>
-            <a:endParaRPr lang="ru-RU" sz="2000" b="0" strike="noStrike" spc="-1" dirty="0">
+            <a:endParaRPr lang="ru-RU" b="0" strike="noStrike" spc="-1" dirty="0">
               <a:latin typeface="Arial"/>
             </a:endParaRPr>
           </a:p>
@@ -2895,8 +3244,8 @@
         </p:nvSpPr>
         <p:spPr>
           <a:xfrm>
-            <a:off x="4588920" y="4825440"/>
-            <a:ext cx="973800" cy="394560"/>
+            <a:off x="4624650" y="4825440"/>
+            <a:ext cx="902340" cy="367878"/>
           </a:xfrm>
           <a:prstGeom prst="rect">
             <a:avLst/>
@@ -2930,7 +3279,7 @@
               </a:lnSpc>
             </a:pPr>
             <a:r>
-              <a:rPr lang="ru-RU" sz="2000" b="0" strike="noStrike" spc="-1" dirty="0">
+              <a:rPr lang="ru-RU" b="0" strike="noStrike" spc="-1" dirty="0">
                 <a:solidFill>
                   <a:srgbClr val="000000"/>
                 </a:solidFill>
@@ -2939,7 +3288,7 @@
               </a:rPr>
               <a:t>Дизайн</a:t>
             </a:r>
-            <a:endParaRPr lang="ru-RU" sz="2000" b="0" strike="noStrike" spc="-1" dirty="0">
+            <a:endParaRPr lang="ru-RU" b="0" strike="noStrike" spc="-1" dirty="0">
               <a:latin typeface="Arial"/>
             </a:endParaRPr>
           </a:p>
@@ -2959,8 +3308,8 @@
         </p:nvSpPr>
         <p:spPr>
           <a:xfrm>
-            <a:off x="7275915" y="4825440"/>
-            <a:ext cx="1046880" cy="394560"/>
+            <a:off x="7315515" y="4825440"/>
+            <a:ext cx="967679" cy="367878"/>
           </a:xfrm>
           <a:prstGeom prst="rect">
             <a:avLst/>
@@ -2994,7 +3343,7 @@
               </a:lnSpc>
             </a:pPr>
             <a:r>
-              <a:rPr lang="ru-RU" sz="2000" b="0" strike="noStrike" spc="-1" dirty="0">
+              <a:rPr lang="ru-RU" b="0" strike="noStrike" spc="-1" dirty="0">
                 <a:solidFill>
                   <a:srgbClr val="000000"/>
                 </a:solidFill>
@@ -3003,7 +3352,7 @@
               </a:rPr>
               <a:t>Верстка</a:t>
             </a:r>
-            <a:endParaRPr lang="ru-RU" sz="2000" b="0" strike="noStrike" spc="-1" dirty="0">
+            <a:endParaRPr lang="ru-RU" b="0" strike="noStrike" spc="-1" dirty="0">
               <a:latin typeface="Arial"/>
             </a:endParaRPr>
           </a:p>
@@ -3077,7 +3426,7 @@
 </p:sld>
 </file>
 
-<file path=ppt/slides/slide11.xml><?xml version="1.0" encoding="utf-8"?>
+<file path=ppt/slides/slide12.xml><?xml version="1.0" encoding="utf-8"?>
 <p:sld xmlns:a="http://schemas.openxmlformats.org/drawingml/2006/main" xmlns:r="http://schemas.openxmlformats.org/officeDocument/2006/relationships" xmlns:p="http://schemas.openxmlformats.org/presentationml/2006/main">
   <p:cSld>
     <p:spTree>
@@ -3231,8 +3580,8 @@
         </p:nvSpPr>
         <p:spPr>
           <a:xfrm>
-            <a:off x="2812320" y="378720"/>
-            <a:ext cx="4110120" cy="394560"/>
+            <a:off x="3888989" y="298821"/>
+            <a:ext cx="2183204" cy="398655"/>
           </a:xfrm>
           <a:prstGeom prst="rect">
             <a:avLst/>
@@ -3266,105 +3615,255 @@
               </a:lnSpc>
             </a:pPr>
             <a:r>
-              <a:rPr lang="ru-RU" sz="2000" b="0" strike="noStrike" spc="-1">
+              <a:rPr lang="ru-RU" sz="2000" b="0" strike="noStrike" spc="-1" dirty="0">
                 <a:solidFill>
                   <a:srgbClr val="000000"/>
                 </a:solidFill>
                 <a:latin typeface="Times New Roman"/>
                 <a:ea typeface="DejaVu Sans"/>
               </a:rPr>
-              <a:t>ИСПОЛЬЗУЕМЫЕ ТЕХНОЛОГИИ </a:t>
-            </a:r>
-            <a:endParaRPr lang="ru-RU" sz="2000" b="0" strike="noStrike" spc="-1">
-              <a:latin typeface="Arial"/>
-            </a:endParaRPr>
-          </a:p>
-        </p:txBody>
-      </p:sp>
-      <p:pic>
-        <p:nvPicPr>
-          <p:cNvPr id="7" name="Рисунок 6" descr="HTML5 CSS3 JS icon set. Web development logo icon set of html, css and  javascript, programming symbol. Векторный объект Stock | Adobe Stock">
+              <a:t>ЦЕЛИ И ЗАДАЧИ</a:t>
+            </a:r>
+            <a:endParaRPr lang="ru-RU" sz="2000" b="0" strike="noStrike" spc="-1" dirty="0">
+              <a:latin typeface="Arial"/>
+            </a:endParaRPr>
+          </a:p>
+        </p:txBody>
+      </p:sp>
+      <p:sp>
+        <p:nvSpPr>
+          <p:cNvPr id="10" name="TextBox 13">
             <a:extLst>
               <a:ext uri="{FF2B5EF4-FFF2-40B4-BE49-F238E27FC236}">
-                <a16:creationId xmlns:a16="http://schemas.microsoft.com/office/drawing/2014/main" id="{76393CD8-C515-4AF7-B3AF-41C1D23ADF87}"/>
+                <a16:creationId xmlns:a16="http://schemas.microsoft.com/office/drawing/2014/main" id="{D089D185-CF5A-438C-AE89-6C8ECCB0B9B9}"/>
               </a:ext>
             </a:extLst>
           </p:cNvPr>
-          <p:cNvPicPr/>
-          <p:nvPr/>
-        </p:nvPicPr>
-        <p:blipFill>
-          <a:blip r:embed="rId3"/>
-          <a:stretch>
-            <a:fillRect/>
-          </a:stretch>
-        </p:blipFill>
-        <p:spPr bwMode="auto">
-          <a:xfrm>
-            <a:off x="2079135" y="1841074"/>
-            <a:ext cx="5802906" cy="1781015"/>
-          </a:xfrm>
-          <a:prstGeom prst="rect">
-            <a:avLst/>
-          </a:prstGeom>
-        </p:spPr>
-      </p:pic>
-      <p:pic>
-        <p:nvPicPr>
-          <p:cNvPr id="8" name="Рисунок 7" descr="Visual Studio Code — Википедия">
-            <a:extLst>
-              <a:ext uri="{FF2B5EF4-FFF2-40B4-BE49-F238E27FC236}">
-                <a16:creationId xmlns:a16="http://schemas.microsoft.com/office/drawing/2014/main" id="{CE6410EA-CF24-4618-ACB2-B743C359F1B7}"/>
-              </a:ext>
-            </a:extLst>
-          </p:cNvPr>
-          <p:cNvPicPr/>
-          <p:nvPr/>
-        </p:nvPicPr>
-        <p:blipFill>
-          <a:blip r:embed="rId4"/>
-          <a:stretch>
-            <a:fillRect/>
-          </a:stretch>
-        </p:blipFill>
-        <p:spPr bwMode="auto">
-          <a:xfrm>
-            <a:off x="2688545" y="4054088"/>
-            <a:ext cx="1565477" cy="1565477"/>
-          </a:xfrm>
-          <a:prstGeom prst="rect">
-            <a:avLst/>
-          </a:prstGeom>
-        </p:spPr>
-      </p:pic>
-      <p:pic>
-        <p:nvPicPr>
-          <p:cNvPr id="9" name="Рисунок 8">
-            <a:extLst>
-              <a:ext uri="{FF2B5EF4-FFF2-40B4-BE49-F238E27FC236}">
-                <a16:creationId xmlns:a16="http://schemas.microsoft.com/office/drawing/2014/main" id="{5FC3BF1B-A853-44DA-A286-B06F56DCBD55}"/>
-              </a:ext>
-            </a:extLst>
-          </p:cNvPr>
-          <p:cNvPicPr/>
-          <p:nvPr/>
-        </p:nvPicPr>
-        <p:blipFill>
-          <a:blip r:embed="rId5"/>
-          <a:stretch>
-            <a:fillRect/>
-          </a:stretch>
-        </p:blipFill>
-        <p:spPr bwMode="auto">
-          <a:xfrm>
-            <a:off x="5413761" y="4054088"/>
-            <a:ext cx="1116170" cy="1672737"/>
-          </a:xfrm>
-          <a:prstGeom prst="rect">
-            <a:avLst/>
-          </a:prstGeom>
-        </p:spPr>
-      </p:pic>
+          <p:cNvSpPr/>
+          <p:nvPr/>
+        </p:nvSpPr>
+        <p:spPr>
+          <a:xfrm>
+            <a:off x="1003177" y="1383167"/>
+            <a:ext cx="7412854" cy="4138141"/>
+          </a:xfrm>
+          <a:prstGeom prst="rect">
+            <a:avLst/>
+          </a:prstGeom>
+          <a:noFill/>
+          <a:ln w="0">
+            <a:noFill/>
+          </a:ln>
+        </p:spPr>
+        <p:style>
+          <a:lnRef idx="0">
+            <a:scrgbClr r="0" g="0" b="0"/>
+          </a:lnRef>
+          <a:fillRef idx="0">
+            <a:scrgbClr r="0" g="0" b="0"/>
+          </a:fillRef>
+          <a:effectRef idx="0">
+            <a:scrgbClr r="0" g="0" b="0"/>
+          </a:effectRef>
+          <a:fontRef idx="minor"/>
+        </p:style>
+        <p:txBody>
+          <a:bodyPr wrap="square" lIns="90000" tIns="45000" rIns="90000" bIns="45000" anchor="t">
+            <a:spAutoFit/>
+          </a:bodyPr>
+          <a:lstStyle/>
+          <a:p>
+            <a:pPr indent="450215" algn="just">
+              <a:lnSpc>
+                <a:spcPct val="150000"/>
+              </a:lnSpc>
+              <a:spcAft>
+                <a:spcPts val="0"/>
+              </a:spcAft>
+            </a:pPr>
+            <a:r>
+              <a:rPr lang="ru-RU" sz="1800" dirty="0">
+                <a:solidFill>
+                  <a:srgbClr val="000000"/>
+                </a:solidFill>
+                <a:effectLst/>
+                <a:latin typeface="Times New Roman" panose="02020603050405020304" pitchFamily="18" charset="0"/>
+                <a:ea typeface="Times New Roman" panose="02020603050405020304" pitchFamily="18" charset="0"/>
+                <a:cs typeface="Times New Roman" panose="02020603050405020304" pitchFamily="18" charset="0"/>
+              </a:rPr>
+              <a:t>Цель: проектирование и разработка веб-приложения для флористической компании.</a:t>
+            </a:r>
+          </a:p>
+          <a:p>
+            <a:pPr indent="450215" algn="just">
+              <a:lnSpc>
+                <a:spcPct val="150000"/>
+              </a:lnSpc>
+              <a:spcAft>
+                <a:spcPts val="0"/>
+              </a:spcAft>
+            </a:pPr>
+            <a:endParaRPr lang="ru-RU" dirty="0">
+              <a:solidFill>
+                <a:srgbClr val="000000"/>
+              </a:solidFill>
+              <a:latin typeface="Times New Roman" panose="02020603050405020304" pitchFamily="18" charset="0"/>
+              <a:ea typeface="Times New Roman" panose="02020603050405020304" pitchFamily="18" charset="0"/>
+              <a:cs typeface="Times New Roman" panose="02020603050405020304" pitchFamily="18" charset="0"/>
+            </a:endParaRPr>
+          </a:p>
+          <a:p>
+            <a:pPr indent="450215" algn="just">
+              <a:lnSpc>
+                <a:spcPct val="150000"/>
+              </a:lnSpc>
+              <a:spcAft>
+                <a:spcPts val="0"/>
+              </a:spcAft>
+            </a:pPr>
+            <a:r>
+              <a:rPr lang="ru-RU" sz="1800" dirty="0">
+                <a:solidFill>
+                  <a:srgbClr val="000000"/>
+                </a:solidFill>
+                <a:effectLst/>
+                <a:latin typeface="Times New Roman" panose="02020603050405020304" pitchFamily="18" charset="0"/>
+                <a:ea typeface="Times New Roman" panose="02020603050405020304" pitchFamily="18" charset="0"/>
+                <a:cs typeface="Times New Roman" panose="02020603050405020304" pitchFamily="18" charset="0"/>
+              </a:rPr>
+              <a:t>З</a:t>
+            </a:r>
+            <a:r>
+              <a:rPr lang="ru-RU" sz="1800" dirty="0">
+                <a:effectLst/>
+                <a:latin typeface="Times New Roman" panose="02020603050405020304" pitchFamily="18" charset="0"/>
+                <a:ea typeface="Times New Roman" panose="02020603050405020304" pitchFamily="18" charset="0"/>
+                <a:cs typeface="Times New Roman" panose="02020603050405020304" pitchFamily="18" charset="0"/>
+              </a:rPr>
+              <a:t>адачи:</a:t>
+            </a:r>
+            <a:r>
+              <a:rPr lang="ru-RU" sz="1800" dirty="0">
+                <a:effectLst/>
+                <a:latin typeface="Times New Roman" panose="02020603050405020304" pitchFamily="18" charset="0"/>
+                <a:ea typeface="Calibri" panose="020F0502020204030204" pitchFamily="34" charset="0"/>
+                <a:cs typeface="Times New Roman" panose="02020603050405020304" pitchFamily="18" charset="0"/>
+              </a:rPr>
+              <a:t> </a:t>
+            </a:r>
+          </a:p>
+          <a:p>
+            <a:pPr indent="450215" algn="just">
+              <a:lnSpc>
+                <a:spcPct val="150000"/>
+              </a:lnSpc>
+              <a:spcAft>
+                <a:spcPts val="0"/>
+              </a:spcAft>
+            </a:pPr>
+            <a:r>
+              <a:rPr lang="ru-RU" sz="1800" dirty="0">
+                <a:effectLst/>
+                <a:latin typeface="Times New Roman" panose="02020603050405020304" pitchFamily="18" charset="0"/>
+                <a:ea typeface="Times New Roman" panose="02020603050405020304" pitchFamily="18" charset="0"/>
+                <a:cs typeface="Times New Roman" panose="02020603050405020304" pitchFamily="18" charset="0"/>
+              </a:rPr>
+              <a:t>1.	Исследовать предметную область разработки веб-приложения.</a:t>
+            </a:r>
+            <a:endParaRPr lang="ru-RU" sz="1800" dirty="0">
+              <a:effectLst/>
+              <a:latin typeface="Times New Roman" panose="02020603050405020304" pitchFamily="18" charset="0"/>
+              <a:ea typeface="Calibri" panose="020F0502020204030204" pitchFamily="34" charset="0"/>
+              <a:cs typeface="Times New Roman" panose="02020603050405020304" pitchFamily="18" charset="0"/>
+            </a:endParaRPr>
+          </a:p>
+          <a:p>
+            <a:pPr indent="450215" algn="just">
+              <a:lnSpc>
+                <a:spcPct val="150000"/>
+              </a:lnSpc>
+              <a:spcAft>
+                <a:spcPts val="0"/>
+              </a:spcAft>
+            </a:pPr>
+            <a:r>
+              <a:rPr lang="ru-RU" sz="1800" dirty="0">
+                <a:effectLst/>
+                <a:latin typeface="Times New Roman" panose="02020603050405020304" pitchFamily="18" charset="0"/>
+                <a:ea typeface="Times New Roman" panose="02020603050405020304" pitchFamily="18" charset="0"/>
+                <a:cs typeface="Times New Roman" panose="02020603050405020304" pitchFamily="18" charset="0"/>
+              </a:rPr>
+              <a:t>2.	Выбрать и описать инструментальные средства реализации веб-приложения.</a:t>
+            </a:r>
+            <a:endParaRPr lang="ru-RU" sz="1800" dirty="0">
+              <a:effectLst/>
+              <a:latin typeface="Times New Roman" panose="02020603050405020304" pitchFamily="18" charset="0"/>
+              <a:ea typeface="Calibri" panose="020F0502020204030204" pitchFamily="34" charset="0"/>
+              <a:cs typeface="Times New Roman" panose="02020603050405020304" pitchFamily="18" charset="0"/>
+            </a:endParaRPr>
+          </a:p>
+          <a:p>
+            <a:pPr indent="450215" algn="just">
+              <a:lnSpc>
+                <a:spcPct val="150000"/>
+              </a:lnSpc>
+              <a:spcAft>
+                <a:spcPts val="0"/>
+              </a:spcAft>
+            </a:pPr>
+            <a:r>
+              <a:rPr lang="ru-RU" sz="1800" dirty="0">
+                <a:effectLst/>
+                <a:latin typeface="Times New Roman" panose="02020603050405020304" pitchFamily="18" charset="0"/>
+                <a:ea typeface="Times New Roman" panose="02020603050405020304" pitchFamily="18" charset="0"/>
+                <a:cs typeface="Times New Roman" panose="02020603050405020304" pitchFamily="18" charset="0"/>
+              </a:rPr>
+              <a:t>3.	Разработать дизайн будущего веб-приложения.</a:t>
+            </a:r>
+            <a:endParaRPr lang="ru-RU" sz="1800" dirty="0">
+              <a:effectLst/>
+              <a:latin typeface="Times New Roman" panose="02020603050405020304" pitchFamily="18" charset="0"/>
+              <a:ea typeface="Calibri" panose="020F0502020204030204" pitchFamily="34" charset="0"/>
+              <a:cs typeface="Times New Roman" panose="02020603050405020304" pitchFamily="18" charset="0"/>
+            </a:endParaRPr>
+          </a:p>
+          <a:p>
+            <a:pPr indent="450215" algn="just">
+              <a:lnSpc>
+                <a:spcPct val="150000"/>
+              </a:lnSpc>
+              <a:spcAft>
+                <a:spcPts val="0"/>
+              </a:spcAft>
+            </a:pPr>
+            <a:r>
+              <a:rPr lang="ru-RU" sz="1800" dirty="0">
+                <a:effectLst/>
+                <a:latin typeface="Times New Roman" panose="02020603050405020304" pitchFamily="18" charset="0"/>
+                <a:ea typeface="Times New Roman" panose="02020603050405020304" pitchFamily="18" charset="0"/>
+                <a:cs typeface="Times New Roman" panose="02020603050405020304" pitchFamily="18" charset="0"/>
+              </a:rPr>
+              <a:t>4.	Верстка веб-приложения.</a:t>
+            </a:r>
+            <a:endParaRPr lang="ru-RU" sz="1800" dirty="0">
+              <a:effectLst/>
+              <a:latin typeface="Times New Roman" panose="02020603050405020304" pitchFamily="18" charset="0"/>
+              <a:ea typeface="Calibri" panose="020F0502020204030204" pitchFamily="34" charset="0"/>
+              <a:cs typeface="Times New Roman" panose="02020603050405020304" pitchFamily="18" charset="0"/>
+            </a:endParaRPr>
+          </a:p>
+          <a:p>
+            <a:pPr algn="ctr">
+              <a:lnSpc>
+                <a:spcPct val="100000"/>
+              </a:lnSpc>
+            </a:pPr>
+            <a:endParaRPr lang="ru-RU" sz="2000" b="0" strike="noStrike" spc="-1" dirty="0">
+              <a:latin typeface="Arial"/>
+            </a:endParaRPr>
+          </a:p>
+        </p:txBody>
+      </p:sp>
     </p:spTree>
   </p:cSld>
   <p:clrMapOvr>
@@ -3392,7 +3891,7 @@
       </p:grpSpPr>
       <p:pic>
         <p:nvPicPr>
-          <p:cNvPr id="45" name="Picture 7"/>
+          <p:cNvPr id="40" name="Picture 3"/>
           <p:cNvPicPr/>
           <p:nvPr/>
         </p:nvPicPr>
@@ -3415,14 +3914,14 @@
       </p:pic>
       <p:sp>
         <p:nvSpPr>
-          <p:cNvPr id="46" name="TextBox 6"/>
+          <p:cNvPr id="41" name="TextBox 1"/>
           <p:cNvSpPr/>
           <p:nvPr/>
         </p:nvSpPr>
         <p:spPr>
           <a:xfrm>
-            <a:off x="3612240" y="378720"/>
-            <a:ext cx="2514600" cy="394560"/>
+            <a:off x="2812320" y="378720"/>
+            <a:ext cx="4110120" cy="394560"/>
           </a:xfrm>
           <a:prstGeom prst="rect">
             <a:avLst/>
@@ -3463,7 +3962,7 @@
                 <a:latin typeface="Times New Roman"/>
                 <a:ea typeface="DejaVu Sans"/>
               </a:rPr>
-              <a:t>  Составление UI KIT</a:t>
+              <a:t>ИСПОЛЬЗУЕМЫЕ ТЕХНОЛОГИИ </a:t>
             </a:r>
             <a:endParaRPr lang="ru-RU" sz="2000" b="0" strike="noStrike" spc="-1">
               <a:latin typeface="Arial"/>
@@ -3473,28 +3972,94 @@
       </p:sp>
       <p:pic>
         <p:nvPicPr>
-          <p:cNvPr id="47" name="Рисунок 46"/>
+          <p:cNvPr id="7" name="Рисунок 6" descr="HTML5 CSS3 JS icon set. Web development logo icon set of html, css and  javascript, programming symbol. Векторный объект Stock | Adobe Stock">
+            <a:extLst>
+              <a:ext uri="{FF2B5EF4-FFF2-40B4-BE49-F238E27FC236}">
+                <a16:creationId xmlns:a16="http://schemas.microsoft.com/office/drawing/2014/main" id="{76393CD8-C515-4AF7-B3AF-41C1D23ADF87}"/>
+              </a:ext>
+            </a:extLst>
+          </p:cNvPr>
           <p:cNvPicPr/>
           <p:nvPr/>
         </p:nvPicPr>
         <p:blipFill>
           <a:blip r:embed="rId3"/>
-          <a:stretch/>
+          <a:stretch>
+            <a:fillRect/>
+          </a:stretch>
         </p:blipFill>
-        <p:spPr>
-          <a:xfrm>
-            <a:off x="1771020" y="1142753"/>
-            <a:ext cx="6197040" cy="5001480"/>
-          </a:xfrm>
-          <a:prstGeom prst="rect">
-            <a:avLst/>
-          </a:prstGeom>
-          <a:ln w="0">
-            <a:noFill/>
-          </a:ln>
+        <p:spPr bwMode="auto">
+          <a:xfrm>
+            <a:off x="2079135" y="1841074"/>
+            <a:ext cx="5802906" cy="1781015"/>
+          </a:xfrm>
+          <a:prstGeom prst="rect">
+            <a:avLst/>
+          </a:prstGeom>
+        </p:spPr>
+      </p:pic>
+      <p:pic>
+        <p:nvPicPr>
+          <p:cNvPr id="8" name="Рисунок 7" descr="Visual Studio Code — Википедия">
+            <a:extLst>
+              <a:ext uri="{FF2B5EF4-FFF2-40B4-BE49-F238E27FC236}">
+                <a16:creationId xmlns:a16="http://schemas.microsoft.com/office/drawing/2014/main" id="{CE6410EA-CF24-4618-ACB2-B743C359F1B7}"/>
+              </a:ext>
+            </a:extLst>
+          </p:cNvPr>
+          <p:cNvPicPr/>
+          <p:nvPr/>
+        </p:nvPicPr>
+        <p:blipFill>
+          <a:blip r:embed="rId4"/>
+          <a:stretch>
+            <a:fillRect/>
+          </a:stretch>
+        </p:blipFill>
+        <p:spPr bwMode="auto">
+          <a:xfrm>
+            <a:off x="2688545" y="4054088"/>
+            <a:ext cx="1565477" cy="1565477"/>
+          </a:xfrm>
+          <a:prstGeom prst="rect">
+            <a:avLst/>
+          </a:prstGeom>
+        </p:spPr>
+      </p:pic>
+      <p:pic>
+        <p:nvPicPr>
+          <p:cNvPr id="9" name="Рисунок 8">
+            <a:extLst>
+              <a:ext uri="{FF2B5EF4-FFF2-40B4-BE49-F238E27FC236}">
+                <a16:creationId xmlns:a16="http://schemas.microsoft.com/office/drawing/2014/main" id="{5FC3BF1B-A853-44DA-A286-B06F56DCBD55}"/>
+              </a:ext>
+            </a:extLst>
+          </p:cNvPr>
+          <p:cNvPicPr/>
+          <p:nvPr/>
+        </p:nvPicPr>
+        <p:blipFill>
+          <a:blip r:embed="rId5"/>
+          <a:stretch>
+            <a:fillRect/>
+          </a:stretch>
+        </p:blipFill>
+        <p:spPr bwMode="auto">
+          <a:xfrm>
+            <a:off x="5413761" y="4054088"/>
+            <a:ext cx="1116170" cy="1672737"/>
+          </a:xfrm>
+          <a:prstGeom prst="rect">
+            <a:avLst/>
+          </a:prstGeom>
         </p:spPr>
       </p:pic>
     </p:spTree>
+    <p:extLst>
+      <p:ext uri="{BB962C8B-B14F-4D97-AF65-F5344CB8AC3E}">
+        <p14:creationId xmlns:p14="http://schemas.microsoft.com/office/powerpoint/2010/main" val="1609822370"/>
+      </p:ext>
+    </p:extLst>
   </p:cSld>
   <p:clrMapOvr>
     <a:masterClrMapping/>
@@ -3521,7 +4086,7 @@
       </p:grpSpPr>
       <p:pic>
         <p:nvPicPr>
-          <p:cNvPr id="48" name="Picture 8"/>
+          <p:cNvPr id="45" name="Picture 7"/>
           <p:cNvPicPr/>
           <p:nvPr/>
         </p:nvPicPr>
@@ -3544,14 +4109,14 @@
       </p:pic>
       <p:sp>
         <p:nvSpPr>
-          <p:cNvPr id="49" name="TextBox 7"/>
+          <p:cNvPr id="46" name="TextBox 6"/>
           <p:cNvSpPr/>
           <p:nvPr/>
         </p:nvSpPr>
         <p:spPr>
           <a:xfrm>
-            <a:off x="3830040" y="378720"/>
-            <a:ext cx="2084760" cy="394560"/>
+            <a:off x="3612240" y="378720"/>
+            <a:ext cx="2514600" cy="394560"/>
           </a:xfrm>
           <a:prstGeom prst="rect">
             <a:avLst/>
@@ -3592,183 +4157,9 @@
                 <a:latin typeface="Times New Roman"/>
                 <a:ea typeface="DejaVu Sans"/>
               </a:rPr>
-              <a:t>Главная страница</a:t>
+              <a:t>  Составление UI KIT</a:t>
             </a:r>
             <a:endParaRPr lang="ru-RU" sz="2000" b="0" strike="noStrike" spc="-1">
-              <a:latin typeface="Arial"/>
-            </a:endParaRPr>
-          </a:p>
-        </p:txBody>
-      </p:sp>
-      <p:sp>
-        <p:nvSpPr>
-          <p:cNvPr id="52" name="TextBox 13"/>
-          <p:cNvSpPr/>
-          <p:nvPr/>
-        </p:nvSpPr>
-        <p:spPr>
-          <a:xfrm>
-            <a:off x="1579537" y="5058522"/>
-            <a:ext cx="860400" cy="394560"/>
-          </a:xfrm>
-          <a:prstGeom prst="rect">
-            <a:avLst/>
-          </a:prstGeom>
-          <a:noFill/>
-          <a:ln w="0">
-            <a:noFill/>
-          </a:ln>
-        </p:spPr>
-        <p:style>
-          <a:lnRef idx="0">
-            <a:scrgbClr r="0" g="0" b="0"/>
-          </a:lnRef>
-          <a:fillRef idx="0">
-            <a:scrgbClr r="0" g="0" b="0"/>
-          </a:fillRef>
-          <a:effectRef idx="0">
-            <a:scrgbClr r="0" g="0" b="0"/>
-          </a:effectRef>
-          <a:fontRef idx="minor"/>
-        </p:style>
-        <p:txBody>
-          <a:bodyPr wrap="none" lIns="90000" tIns="45000" rIns="90000" bIns="45000" anchor="t">
-            <a:spAutoFit/>
-          </a:bodyPr>
-          <a:lstStyle/>
-          <a:p>
-            <a:pPr algn="ctr">
-              <a:lnSpc>
-                <a:spcPct val="100000"/>
-              </a:lnSpc>
-            </a:pPr>
-            <a:r>
-              <a:rPr lang="ru-RU" sz="2000" b="0" strike="noStrike" spc="-1" dirty="0">
-                <a:solidFill>
-                  <a:srgbClr val="000000"/>
-                </a:solidFill>
-                <a:latin typeface="Times New Roman"/>
-                <a:ea typeface="DejaVu Sans"/>
-              </a:rPr>
-              <a:t>Макет</a:t>
-            </a:r>
-            <a:endParaRPr lang="ru-RU" sz="2000" b="0" strike="noStrike" spc="-1" dirty="0">
-              <a:latin typeface="Arial"/>
-            </a:endParaRPr>
-          </a:p>
-        </p:txBody>
-      </p:sp>
-      <p:sp>
-        <p:nvSpPr>
-          <p:cNvPr id="53" name="TextBox 14"/>
-          <p:cNvSpPr/>
-          <p:nvPr/>
-        </p:nvSpPr>
-        <p:spPr>
-          <a:xfrm>
-            <a:off x="4508238" y="5058522"/>
-            <a:ext cx="973800" cy="394560"/>
-          </a:xfrm>
-          <a:prstGeom prst="rect">
-            <a:avLst/>
-          </a:prstGeom>
-          <a:noFill/>
-          <a:ln w="0">
-            <a:noFill/>
-          </a:ln>
-        </p:spPr>
-        <p:style>
-          <a:lnRef idx="0">
-            <a:scrgbClr r="0" g="0" b="0"/>
-          </a:lnRef>
-          <a:fillRef idx="0">
-            <a:scrgbClr r="0" g="0" b="0"/>
-          </a:fillRef>
-          <a:effectRef idx="0">
-            <a:scrgbClr r="0" g="0" b="0"/>
-          </a:effectRef>
-          <a:fontRef idx="minor"/>
-        </p:style>
-        <p:txBody>
-          <a:bodyPr wrap="none" lIns="90000" tIns="45000" rIns="90000" bIns="45000" anchor="t">
-            <a:spAutoFit/>
-          </a:bodyPr>
-          <a:lstStyle/>
-          <a:p>
-            <a:pPr algn="ctr">
-              <a:lnSpc>
-                <a:spcPct val="100000"/>
-              </a:lnSpc>
-            </a:pPr>
-            <a:r>
-              <a:rPr lang="ru-RU" sz="2000" b="0" strike="noStrike" spc="-1" dirty="0">
-                <a:solidFill>
-                  <a:srgbClr val="000000"/>
-                </a:solidFill>
-                <a:latin typeface="Times New Roman"/>
-                <a:ea typeface="DejaVu Sans"/>
-              </a:rPr>
-              <a:t>Дизайн</a:t>
-            </a:r>
-            <a:endParaRPr lang="ru-RU" sz="2000" b="0" strike="noStrike" spc="-1" dirty="0">
-              <a:latin typeface="Arial"/>
-            </a:endParaRPr>
-          </a:p>
-        </p:txBody>
-      </p:sp>
-      <p:sp>
-        <p:nvSpPr>
-          <p:cNvPr id="54" name="TextBox 15"/>
-          <p:cNvSpPr/>
-          <p:nvPr/>
-        </p:nvSpPr>
-        <p:spPr>
-          <a:xfrm>
-            <a:off x="7195233" y="5058522"/>
-            <a:ext cx="1046880" cy="394560"/>
-          </a:xfrm>
-          <a:prstGeom prst="rect">
-            <a:avLst/>
-          </a:prstGeom>
-          <a:noFill/>
-          <a:ln w="0">
-            <a:noFill/>
-          </a:ln>
-        </p:spPr>
-        <p:style>
-          <a:lnRef idx="0">
-            <a:scrgbClr r="0" g="0" b="0"/>
-          </a:lnRef>
-          <a:fillRef idx="0">
-            <a:scrgbClr r="0" g="0" b="0"/>
-          </a:fillRef>
-          <a:effectRef idx="0">
-            <a:scrgbClr r="0" g="0" b="0"/>
-          </a:effectRef>
-          <a:fontRef idx="minor"/>
-        </p:style>
-        <p:txBody>
-          <a:bodyPr wrap="none" lIns="90000" tIns="45000" rIns="90000" bIns="45000" anchor="t">
-            <a:spAutoFit/>
-          </a:bodyPr>
-          <a:lstStyle/>
-          <a:p>
-            <a:pPr algn="ctr">
-              <a:lnSpc>
-                <a:spcPct val="100000"/>
-              </a:lnSpc>
-            </a:pPr>
-            <a:r>
-              <a:rPr lang="ru-RU" sz="2000" b="0" strike="noStrike" spc="-1" dirty="0">
-                <a:solidFill>
-                  <a:srgbClr val="000000"/>
-                </a:solidFill>
-                <a:latin typeface="Times New Roman"/>
-                <a:ea typeface="DejaVu Sans"/>
-              </a:rPr>
-              <a:t>Верстка</a:t>
-            </a:r>
-            <a:endParaRPr lang="ru-RU" sz="2000" b="0" strike="noStrike" spc="-1" dirty="0">
               <a:latin typeface="Arial"/>
             </a:endParaRPr>
           </a:p>
@@ -3776,62 +4167,25 @@
       </p:sp>
       <p:pic>
         <p:nvPicPr>
-          <p:cNvPr id="3" name="Рисунок 2">
-            <a:extLst>
-              <a:ext uri="{FF2B5EF4-FFF2-40B4-BE49-F238E27FC236}">
-                <a16:creationId xmlns:a16="http://schemas.microsoft.com/office/drawing/2014/main" id="{3B90177F-F38D-4EB3-9858-8ABCDF184A4F}"/>
-              </a:ext>
-            </a:extLst>
-          </p:cNvPr>
-          <p:cNvPicPr>
-            <a:picLocks noChangeAspect="1"/>
-          </p:cNvPicPr>
+          <p:cNvPr id="47" name="Рисунок 46"/>
+          <p:cNvPicPr/>
           <p:nvPr/>
         </p:nvPicPr>
         <p:blipFill>
           <a:blip r:embed="rId3"/>
-          <a:stretch>
-            <a:fillRect/>
-          </a:stretch>
+          <a:stretch/>
         </p:blipFill>
         <p:spPr>
           <a:xfrm>
-            <a:off x="3532530" y="1657546"/>
-            <a:ext cx="5291092" cy="3045090"/>
-          </a:xfrm>
-          <a:prstGeom prst="rect">
-            <a:avLst/>
-          </a:prstGeom>
-        </p:spPr>
-      </p:pic>
-      <p:pic>
-        <p:nvPicPr>
-          <p:cNvPr id="5" name="Рисунок 4">
-            <a:extLst>
-              <a:ext uri="{FF2B5EF4-FFF2-40B4-BE49-F238E27FC236}">
-                <a16:creationId xmlns:a16="http://schemas.microsoft.com/office/drawing/2014/main" id="{BEB61877-3FDE-4FEE-A069-24802E3B79BC}"/>
-              </a:ext>
-            </a:extLst>
-          </p:cNvPr>
-          <p:cNvPicPr>
-            <a:picLocks noChangeAspect="1"/>
-          </p:cNvPicPr>
-          <p:nvPr/>
-        </p:nvPicPr>
-        <p:blipFill>
-          <a:blip r:embed="rId4"/>
-          <a:stretch>
-            <a:fillRect/>
-          </a:stretch>
-        </p:blipFill>
-        <p:spPr>
-          <a:xfrm>
-            <a:off x="355662" y="1657546"/>
-            <a:ext cx="2875028" cy="3236315"/>
-          </a:xfrm>
-          <a:prstGeom prst="rect">
-            <a:avLst/>
-          </a:prstGeom>
+            <a:off x="1771020" y="1142753"/>
+            <a:ext cx="6197040" cy="5001480"/>
+          </a:xfrm>
+          <a:prstGeom prst="rect">
+            <a:avLst/>
+          </a:prstGeom>
+          <a:ln w="0">
+            <a:noFill/>
+          </a:ln>
         </p:spPr>
       </p:pic>
     </p:spTree>
@@ -3861,7 +4215,7 @@
       </p:grpSpPr>
       <p:pic>
         <p:nvPicPr>
-          <p:cNvPr id="65" name="Picture 3"/>
+          <p:cNvPr id="48" name="Picture 8"/>
           <p:cNvPicPr/>
           <p:nvPr/>
         </p:nvPicPr>
@@ -3884,14 +4238,14 @@
       </p:pic>
       <p:sp>
         <p:nvSpPr>
-          <p:cNvPr id="66" name="TextBox 1"/>
+          <p:cNvPr id="49" name="TextBox 7"/>
           <p:cNvSpPr/>
           <p:nvPr/>
         </p:nvSpPr>
         <p:spPr>
           <a:xfrm>
-            <a:off x="3228337" y="222480"/>
-            <a:ext cx="3262602" cy="398655"/>
+            <a:off x="3830040" y="378720"/>
+            <a:ext cx="2084760" cy="394560"/>
           </a:xfrm>
           <a:prstGeom prst="rect">
             <a:avLst/>
@@ -3925,47 +4279,89 @@
               </a:lnSpc>
             </a:pPr>
             <a:r>
-              <a:rPr lang="ru-RU" sz="2000" spc="-1" dirty="0">
+              <a:rPr lang="ru-RU" sz="2000" b="0" strike="noStrike" spc="-1">
                 <a:solidFill>
                   <a:srgbClr val="000000"/>
                 </a:solidFill>
                 <a:latin typeface="Times New Roman"/>
                 <a:ea typeface="DejaVu Sans"/>
               </a:rPr>
-              <a:t>С</a:t>
-            </a:r>
-            <a:r>
-              <a:rPr lang="ru-RU" sz="2000" b="0" strike="noStrike" spc="-1" dirty="0">
+              <a:t>Главная страница</a:t>
+            </a:r>
+            <a:endParaRPr lang="ru-RU" sz="2000" b="0" strike="noStrike" spc="-1">
+              <a:latin typeface="Arial"/>
+            </a:endParaRPr>
+          </a:p>
+        </p:txBody>
+      </p:sp>
+      <p:sp>
+        <p:nvSpPr>
+          <p:cNvPr id="52" name="TextBox 13"/>
+          <p:cNvSpPr/>
+          <p:nvPr/>
+        </p:nvSpPr>
+        <p:spPr>
+          <a:xfrm>
+            <a:off x="1583647" y="5058522"/>
+            <a:ext cx="798913" cy="367878"/>
+          </a:xfrm>
+          <a:prstGeom prst="rect">
+            <a:avLst/>
+          </a:prstGeom>
+          <a:noFill/>
+          <a:ln w="0">
+            <a:noFill/>
+          </a:ln>
+        </p:spPr>
+        <p:style>
+          <a:lnRef idx="0">
+            <a:scrgbClr r="0" g="0" b="0"/>
+          </a:lnRef>
+          <a:fillRef idx="0">
+            <a:scrgbClr r="0" g="0" b="0"/>
+          </a:fillRef>
+          <a:effectRef idx="0">
+            <a:scrgbClr r="0" g="0" b="0"/>
+          </a:effectRef>
+          <a:fontRef idx="minor"/>
+        </p:style>
+        <p:txBody>
+          <a:bodyPr wrap="none" lIns="90000" tIns="45000" rIns="90000" bIns="45000" anchor="t">
+            <a:spAutoFit/>
+          </a:bodyPr>
+          <a:lstStyle/>
+          <a:p>
+            <a:pPr algn="ctr">
+              <a:lnSpc>
+                <a:spcPct val="100000"/>
+              </a:lnSpc>
+            </a:pPr>
+            <a:r>
+              <a:rPr lang="ru-RU" b="0" strike="noStrike" spc="-1" dirty="0">
                 <a:solidFill>
                   <a:srgbClr val="000000"/>
                 </a:solidFill>
                 <a:latin typeface="Times New Roman"/>
                 <a:ea typeface="DejaVu Sans"/>
               </a:rPr>
-              <a:t>траница  «производство»   </a:t>
-            </a:r>
-            <a:endParaRPr lang="ru-RU" sz="2000" b="0" strike="noStrike" spc="-1" dirty="0">
-              <a:latin typeface="Arial"/>
-            </a:endParaRPr>
-          </a:p>
-        </p:txBody>
-      </p:sp>
-      <p:sp>
-        <p:nvSpPr>
-          <p:cNvPr id="10" name="TextBox 13">
-            <a:extLst>
-              <a:ext uri="{FF2B5EF4-FFF2-40B4-BE49-F238E27FC236}">
-                <a16:creationId xmlns:a16="http://schemas.microsoft.com/office/drawing/2014/main" id="{E9997DC8-BC9D-4B5A-8747-B52612F13CF3}"/>
-              </a:ext>
-            </a:extLst>
-          </p:cNvPr>
+              <a:t>Макет</a:t>
+            </a:r>
+            <a:endParaRPr lang="ru-RU" b="0" strike="noStrike" spc="-1" dirty="0">
+              <a:latin typeface="Arial"/>
+            </a:endParaRPr>
+          </a:p>
+        </p:txBody>
+      </p:sp>
+      <p:sp>
+        <p:nvSpPr>
+          <p:cNvPr id="53" name="TextBox 14"/>
           <p:cNvSpPr/>
           <p:nvPr/>
         </p:nvSpPr>
         <p:spPr>
           <a:xfrm>
-            <a:off x="1464910" y="4825440"/>
-            <a:ext cx="860400" cy="394560"/>
+            <a:off x="4543968" y="5058522"/>
+            <a:ext cx="902340" cy="367878"/>
           </a:xfrm>
           <a:prstGeom prst="rect">
             <a:avLst/>
@@ -3999,37 +4395,31 @@
               </a:lnSpc>
             </a:pPr>
             <a:r>
-              <a:rPr lang="ru-RU" sz="2000" b="0" strike="noStrike" spc="-1" dirty="0">
+              <a:rPr lang="ru-RU" b="0" strike="noStrike" spc="-1" dirty="0">
                 <a:solidFill>
                   <a:srgbClr val="000000"/>
                 </a:solidFill>
                 <a:latin typeface="Times New Roman"/>
                 <a:ea typeface="DejaVu Sans"/>
               </a:rPr>
-              <a:t>Макет</a:t>
-            </a:r>
-            <a:endParaRPr lang="ru-RU" sz="2000" b="0" strike="noStrike" spc="-1" dirty="0">
-              <a:latin typeface="Arial"/>
-            </a:endParaRPr>
-          </a:p>
-        </p:txBody>
-      </p:sp>
-      <p:sp>
-        <p:nvSpPr>
-          <p:cNvPr id="11" name="TextBox 14">
-            <a:extLst>
-              <a:ext uri="{FF2B5EF4-FFF2-40B4-BE49-F238E27FC236}">
-                <a16:creationId xmlns:a16="http://schemas.microsoft.com/office/drawing/2014/main" id="{1FC941D9-798B-4005-8D38-CF0D3C400597}"/>
-              </a:ext>
-            </a:extLst>
-          </p:cNvPr>
+              <a:t>Дизайн</a:t>
+            </a:r>
+            <a:endParaRPr lang="ru-RU" b="0" strike="noStrike" spc="-1" dirty="0">
+              <a:latin typeface="Arial"/>
+            </a:endParaRPr>
+          </a:p>
+        </p:txBody>
+      </p:sp>
+      <p:sp>
+        <p:nvSpPr>
+          <p:cNvPr id="54" name="TextBox 15"/>
           <p:cNvSpPr/>
           <p:nvPr/>
         </p:nvSpPr>
         <p:spPr>
           <a:xfrm>
-            <a:off x="4372738" y="4825440"/>
-            <a:ext cx="973800" cy="394560"/>
+            <a:off x="7234833" y="5058522"/>
+            <a:ext cx="967679" cy="367878"/>
           </a:xfrm>
           <a:prstGeom prst="rect">
             <a:avLst/>
@@ -4063,91 +4453,27 @@
               </a:lnSpc>
             </a:pPr>
             <a:r>
-              <a:rPr lang="ru-RU" sz="2000" b="0" strike="noStrike" spc="-1" dirty="0">
+              <a:rPr lang="ru-RU" b="0" strike="noStrike" spc="-1" dirty="0">
                 <a:solidFill>
                   <a:srgbClr val="000000"/>
                 </a:solidFill>
                 <a:latin typeface="Times New Roman"/>
                 <a:ea typeface="DejaVu Sans"/>
               </a:rPr>
-              <a:t>Дизайн</a:t>
-            </a:r>
-            <a:endParaRPr lang="ru-RU" sz="2000" b="0" strike="noStrike" spc="-1" dirty="0">
-              <a:latin typeface="Arial"/>
-            </a:endParaRPr>
-          </a:p>
-        </p:txBody>
-      </p:sp>
-      <p:sp>
-        <p:nvSpPr>
-          <p:cNvPr id="12" name="TextBox 15">
+              <a:t>Верстка</a:t>
+            </a:r>
+            <a:endParaRPr lang="ru-RU" b="0" strike="noStrike" spc="-1" dirty="0">
+              <a:latin typeface="Arial"/>
+            </a:endParaRPr>
+          </a:p>
+        </p:txBody>
+      </p:sp>
+      <p:pic>
+        <p:nvPicPr>
+          <p:cNvPr id="3" name="Рисунок 2">
             <a:extLst>
               <a:ext uri="{FF2B5EF4-FFF2-40B4-BE49-F238E27FC236}">
-                <a16:creationId xmlns:a16="http://schemas.microsoft.com/office/drawing/2014/main" id="{B1FE11F8-5C2E-4CAE-90EE-EE2D0F81F8F2}"/>
-              </a:ext>
-            </a:extLst>
-          </p:cNvPr>
-          <p:cNvSpPr/>
-          <p:nvPr/>
-        </p:nvSpPr>
-        <p:spPr>
-          <a:xfrm>
-            <a:off x="7275915" y="4825440"/>
-            <a:ext cx="1046880" cy="394560"/>
-          </a:xfrm>
-          <a:prstGeom prst="rect">
-            <a:avLst/>
-          </a:prstGeom>
-          <a:noFill/>
-          <a:ln w="0">
-            <a:noFill/>
-          </a:ln>
-        </p:spPr>
-        <p:style>
-          <a:lnRef idx="0">
-            <a:scrgbClr r="0" g="0" b="0"/>
-          </a:lnRef>
-          <a:fillRef idx="0">
-            <a:scrgbClr r="0" g="0" b="0"/>
-          </a:fillRef>
-          <a:effectRef idx="0">
-            <a:scrgbClr r="0" g="0" b="0"/>
-          </a:effectRef>
-          <a:fontRef idx="minor"/>
-        </p:style>
-        <p:txBody>
-          <a:bodyPr wrap="none" lIns="90000" tIns="45000" rIns="90000" bIns="45000" anchor="t">
-            <a:spAutoFit/>
-          </a:bodyPr>
-          <a:lstStyle/>
-          <a:p>
-            <a:pPr algn="ctr">
-              <a:lnSpc>
-                <a:spcPct val="100000"/>
-              </a:lnSpc>
-            </a:pPr>
-            <a:r>
-              <a:rPr lang="ru-RU" sz="2000" b="0" strike="noStrike" spc="-1" dirty="0">
-                <a:solidFill>
-                  <a:srgbClr val="000000"/>
-                </a:solidFill>
-                <a:latin typeface="Times New Roman"/>
-                <a:ea typeface="DejaVu Sans"/>
-              </a:rPr>
-              <a:t>Верстка</a:t>
-            </a:r>
-            <a:endParaRPr lang="ru-RU" sz="2000" b="0" strike="noStrike" spc="-1" dirty="0">
-              <a:latin typeface="Arial"/>
-            </a:endParaRPr>
-          </a:p>
-        </p:txBody>
-      </p:sp>
-      <p:pic>
-        <p:nvPicPr>
-          <p:cNvPr id="5" name="Рисунок 4">
-            <a:extLst>
-              <a:ext uri="{FF2B5EF4-FFF2-40B4-BE49-F238E27FC236}">
-                <a16:creationId xmlns:a16="http://schemas.microsoft.com/office/drawing/2014/main" id="{CAB0C87F-08FC-485C-A826-1A9746EFFBBB}"/>
+                <a16:creationId xmlns:a16="http://schemas.microsoft.com/office/drawing/2014/main" id="{3B90177F-F38D-4EB3-9858-8ABCDF184A4F}"/>
               </a:ext>
             </a:extLst>
           </p:cNvPr>
@@ -4164,8 +4490,8 @@
         </p:blipFill>
         <p:spPr>
           <a:xfrm>
-            <a:off x="343189" y="1735654"/>
-            <a:ext cx="2885148" cy="2792880"/>
+            <a:off x="3532530" y="1657546"/>
+            <a:ext cx="5291092" cy="3045090"/>
           </a:xfrm>
           <a:prstGeom prst="rect">
             <a:avLst/>
@@ -4174,10 +4500,10 @@
       </p:pic>
       <p:pic>
         <p:nvPicPr>
-          <p:cNvPr id="13" name="Рисунок 12">
+          <p:cNvPr id="5" name="Рисунок 4">
             <a:extLst>
               <a:ext uri="{FF2B5EF4-FFF2-40B4-BE49-F238E27FC236}">
-                <a16:creationId xmlns:a16="http://schemas.microsoft.com/office/drawing/2014/main" id="{971427F3-6A10-4D4B-AB43-21CDD8A961AE}"/>
+                <a16:creationId xmlns:a16="http://schemas.microsoft.com/office/drawing/2014/main" id="{BEB61877-3FDE-4FEE-A069-24802E3B79BC}"/>
               </a:ext>
             </a:extLst>
           </p:cNvPr>
@@ -4194,8 +4520,8 @@
         </p:blipFill>
         <p:spPr>
           <a:xfrm>
-            <a:off x="3228337" y="1735654"/>
-            <a:ext cx="5672775" cy="2841825"/>
+            <a:off x="355662" y="1657546"/>
+            <a:ext cx="2875028" cy="3236315"/>
           </a:xfrm>
           <a:prstGeom prst="rect">
             <a:avLst/>
@@ -4229,7 +4555,7 @@
       </p:grpSpPr>
       <p:pic>
         <p:nvPicPr>
-          <p:cNvPr id="80" name="Picture 6"/>
+          <p:cNvPr id="65" name="Picture 3"/>
           <p:cNvPicPr/>
           <p:nvPr/>
         </p:nvPicPr>
@@ -4252,14 +4578,14 @@
       </p:pic>
       <p:sp>
         <p:nvSpPr>
-          <p:cNvPr id="81" name="TextBox 5"/>
+          <p:cNvPr id="66" name="TextBox 1"/>
           <p:cNvSpPr/>
           <p:nvPr/>
         </p:nvSpPr>
         <p:spPr>
           <a:xfrm>
-            <a:off x="3423240" y="222480"/>
-            <a:ext cx="2876760" cy="394560"/>
+            <a:off x="3228337" y="222480"/>
+            <a:ext cx="3262602" cy="398655"/>
           </a:xfrm>
           <a:prstGeom prst="rect">
             <a:avLst/>
@@ -4293,101 +4619,15 @@
               </a:lnSpc>
             </a:pPr>
             <a:r>
-              <a:rPr lang="ru-RU" sz="2000" b="0" strike="noStrike" spc="-1">
+              <a:rPr lang="ru-RU" sz="2000" spc="-1" dirty="0">
                 <a:solidFill>
                   <a:srgbClr val="000000"/>
                 </a:solidFill>
                 <a:latin typeface="Times New Roman"/>
                 <a:ea typeface="DejaVu Sans"/>
               </a:rPr>
-              <a:t>Страница «ошибка 404» </a:t>
-            </a:r>
-            <a:endParaRPr lang="ru-RU" sz="2000" b="0" strike="noStrike" spc="-1">
-              <a:latin typeface="Arial"/>
-            </a:endParaRPr>
-          </a:p>
-        </p:txBody>
-      </p:sp>
-      <p:sp>
-        <p:nvSpPr>
-          <p:cNvPr id="82" name="Прямоугольник 5"/>
-          <p:cNvSpPr/>
-          <p:nvPr/>
-        </p:nvSpPr>
-        <p:spPr>
-          <a:xfrm>
-            <a:off x="1060920" y="750600"/>
-            <a:ext cx="3602520" cy="363240"/>
-          </a:xfrm>
-          <a:prstGeom prst="rect">
-            <a:avLst/>
-          </a:prstGeom>
-          <a:noFill/>
-          <a:ln w="0">
-            <a:noFill/>
-          </a:ln>
-        </p:spPr>
-        <p:style>
-          <a:lnRef idx="0">
-            <a:scrgbClr r="0" g="0" b="0"/>
-          </a:lnRef>
-          <a:fillRef idx="0">
-            <a:scrgbClr r="0" g="0" b="0"/>
-          </a:fillRef>
-          <a:effectRef idx="0">
-            <a:scrgbClr r="0" g="0" b="0"/>
-          </a:effectRef>
-          <a:fontRef idx="minor"/>
-        </p:style>
-      </p:sp>
-      <p:sp>
-        <p:nvSpPr>
-          <p:cNvPr id="7" name="TextBox 13">
-            <a:extLst>
-              <a:ext uri="{FF2B5EF4-FFF2-40B4-BE49-F238E27FC236}">
-                <a16:creationId xmlns:a16="http://schemas.microsoft.com/office/drawing/2014/main" id="{989BFD5C-DB9C-4930-9650-B4F80D1B22D3}"/>
-              </a:ext>
-            </a:extLst>
-          </p:cNvPr>
-          <p:cNvSpPr/>
-          <p:nvPr/>
-        </p:nvSpPr>
-        <p:spPr>
-          <a:xfrm>
-            <a:off x="1385012" y="4430880"/>
-            <a:ext cx="860400" cy="394560"/>
-          </a:xfrm>
-          <a:prstGeom prst="rect">
-            <a:avLst/>
-          </a:prstGeom>
-          <a:noFill/>
-          <a:ln w="0">
-            <a:noFill/>
-          </a:ln>
-        </p:spPr>
-        <p:style>
-          <a:lnRef idx="0">
-            <a:scrgbClr r="0" g="0" b="0"/>
-          </a:lnRef>
-          <a:fillRef idx="0">
-            <a:scrgbClr r="0" g="0" b="0"/>
-          </a:fillRef>
-          <a:effectRef idx="0">
-            <a:scrgbClr r="0" g="0" b="0"/>
-          </a:effectRef>
-          <a:fontRef idx="minor"/>
-        </p:style>
-        <p:txBody>
-          <a:bodyPr wrap="none" lIns="90000" tIns="45000" rIns="90000" bIns="45000" anchor="t">
-            <a:spAutoFit/>
-          </a:bodyPr>
-          <a:lstStyle/>
-          <a:p>
-            <a:pPr algn="ctr">
-              <a:lnSpc>
-                <a:spcPct val="100000"/>
-              </a:lnSpc>
-            </a:pPr>
+              <a:t>С</a:t>
+            </a:r>
             <a:r>
               <a:rPr lang="ru-RU" sz="2000" b="0" strike="noStrike" spc="-1" dirty="0">
                 <a:solidFill>
@@ -4396,7 +4636,7 @@
                 <a:latin typeface="Times New Roman"/>
                 <a:ea typeface="DejaVu Sans"/>
               </a:rPr>
-              <a:t>Макет</a:t>
+              <a:t>траница  «производство»   </a:t>
             </a:r>
             <a:endParaRPr lang="ru-RU" sz="2000" b="0" strike="noStrike" spc="-1" dirty="0">
               <a:latin typeface="Arial"/>
@@ -4406,10 +4646,10 @@
       </p:sp>
       <p:sp>
         <p:nvSpPr>
-          <p:cNvPr id="8" name="TextBox 14">
+          <p:cNvPr id="10" name="TextBox 13">
             <a:extLst>
               <a:ext uri="{FF2B5EF4-FFF2-40B4-BE49-F238E27FC236}">
-                <a16:creationId xmlns:a16="http://schemas.microsoft.com/office/drawing/2014/main" id="{8BDCE4BB-CB1C-4743-98A2-58B383345B78}"/>
+                <a16:creationId xmlns:a16="http://schemas.microsoft.com/office/drawing/2014/main" id="{E9997DC8-BC9D-4B5A-8747-B52612F13CF3}"/>
               </a:ext>
             </a:extLst>
           </p:cNvPr>
@@ -4418,8 +4658,8 @@
         </p:nvSpPr>
         <p:spPr>
           <a:xfrm>
-            <a:off x="4313713" y="4430880"/>
-            <a:ext cx="973800" cy="394560"/>
+            <a:off x="1495653" y="4825440"/>
+            <a:ext cx="798913" cy="367878"/>
           </a:xfrm>
           <a:prstGeom prst="rect">
             <a:avLst/>
@@ -4453,27 +4693,27 @@
               </a:lnSpc>
             </a:pPr>
             <a:r>
-              <a:rPr lang="ru-RU" sz="2000" b="0" strike="noStrike" spc="-1" dirty="0">
+              <a:rPr lang="ru-RU" b="0" strike="noStrike" spc="-1" dirty="0">
                 <a:solidFill>
                   <a:srgbClr val="000000"/>
                 </a:solidFill>
                 <a:latin typeface="Times New Roman"/>
                 <a:ea typeface="DejaVu Sans"/>
               </a:rPr>
-              <a:t>Дизайн</a:t>
-            </a:r>
-            <a:endParaRPr lang="ru-RU" sz="2000" b="0" strike="noStrike" spc="-1" dirty="0">
-              <a:latin typeface="Arial"/>
-            </a:endParaRPr>
-          </a:p>
-        </p:txBody>
-      </p:sp>
-      <p:sp>
-        <p:nvSpPr>
-          <p:cNvPr id="9" name="TextBox 15">
+              <a:t>Макет</a:t>
+            </a:r>
+            <a:endParaRPr lang="ru-RU" b="0" strike="noStrike" spc="-1" dirty="0">
+              <a:latin typeface="Arial"/>
+            </a:endParaRPr>
+          </a:p>
+        </p:txBody>
+      </p:sp>
+      <p:sp>
+        <p:nvSpPr>
+          <p:cNvPr id="11" name="TextBox 14">
             <a:extLst>
               <a:ext uri="{FF2B5EF4-FFF2-40B4-BE49-F238E27FC236}">
-                <a16:creationId xmlns:a16="http://schemas.microsoft.com/office/drawing/2014/main" id="{C02C064E-F2A6-4C2A-A858-BFC8D363D007}"/>
+                <a16:creationId xmlns:a16="http://schemas.microsoft.com/office/drawing/2014/main" id="{1FC941D9-798B-4005-8D38-CF0D3C400597}"/>
               </a:ext>
             </a:extLst>
           </p:cNvPr>
@@ -4482,8 +4722,8 @@
         </p:nvSpPr>
         <p:spPr>
           <a:xfrm>
-            <a:off x="7000708" y="4430880"/>
-            <a:ext cx="1046880" cy="394560"/>
+            <a:off x="4408468" y="4825440"/>
+            <a:ext cx="902340" cy="367878"/>
           </a:xfrm>
           <a:prstGeom prst="rect">
             <a:avLst/>
@@ -4517,16 +4757,80 @@
               </a:lnSpc>
             </a:pPr>
             <a:r>
-              <a:rPr lang="ru-RU" sz="2000" b="0" strike="noStrike" spc="-1" dirty="0">
+              <a:rPr lang="ru-RU" b="0" strike="noStrike" spc="-1" dirty="0">
                 <a:solidFill>
                   <a:srgbClr val="000000"/>
                 </a:solidFill>
                 <a:latin typeface="Times New Roman"/>
                 <a:ea typeface="DejaVu Sans"/>
               </a:rPr>
+              <a:t>Дизайн</a:t>
+            </a:r>
+            <a:endParaRPr lang="ru-RU" b="0" strike="noStrike" spc="-1" dirty="0">
+              <a:latin typeface="Arial"/>
+            </a:endParaRPr>
+          </a:p>
+        </p:txBody>
+      </p:sp>
+      <p:sp>
+        <p:nvSpPr>
+          <p:cNvPr id="12" name="TextBox 15">
+            <a:extLst>
+              <a:ext uri="{FF2B5EF4-FFF2-40B4-BE49-F238E27FC236}">
+                <a16:creationId xmlns:a16="http://schemas.microsoft.com/office/drawing/2014/main" id="{B1FE11F8-5C2E-4CAE-90EE-EE2D0F81F8F2}"/>
+              </a:ext>
+            </a:extLst>
+          </p:cNvPr>
+          <p:cNvSpPr/>
+          <p:nvPr/>
+        </p:nvSpPr>
+        <p:spPr>
+          <a:xfrm>
+            <a:off x="7315515" y="4825440"/>
+            <a:ext cx="967679" cy="367878"/>
+          </a:xfrm>
+          <a:prstGeom prst="rect">
+            <a:avLst/>
+          </a:prstGeom>
+          <a:noFill/>
+          <a:ln w="0">
+            <a:noFill/>
+          </a:ln>
+        </p:spPr>
+        <p:style>
+          <a:lnRef idx="0">
+            <a:scrgbClr r="0" g="0" b="0"/>
+          </a:lnRef>
+          <a:fillRef idx="0">
+            <a:scrgbClr r="0" g="0" b="0"/>
+          </a:fillRef>
+          <a:effectRef idx="0">
+            <a:scrgbClr r="0" g="0" b="0"/>
+          </a:effectRef>
+          <a:fontRef idx="minor"/>
+        </p:style>
+        <p:txBody>
+          <a:bodyPr wrap="none" lIns="90000" tIns="45000" rIns="90000" bIns="45000" anchor="t">
+            <a:spAutoFit/>
+          </a:bodyPr>
+          <a:lstStyle/>
+          <a:p>
+            <a:pPr algn="ctr">
+              <a:lnSpc>
+                <a:spcPct val="100000"/>
+              </a:lnSpc>
+            </a:pPr>
+            <a:r>
+              <a:rPr lang="ru-RU" b="0" strike="noStrike" spc="-1" dirty="0">
+                <a:solidFill>
+                  <a:srgbClr val="000000"/>
+                </a:solidFill>
+                <a:latin typeface="Times New Roman"/>
+                <a:ea typeface="DejaVu Sans"/>
+              </a:rPr>
               <a:t>Верстка</a:t>
             </a:r>
-            <a:endParaRPr lang="ru-RU" sz="2000" b="0" strike="noStrike" spc="-1" dirty="0">
+            <a:endParaRPr lang="ru-RU" b="0" strike="noStrike" spc="-1" dirty="0">
               <a:latin typeface="Arial"/>
             </a:endParaRPr>
           </a:p>
@@ -4534,10 +4838,10 @@
       </p:sp>
       <p:pic>
         <p:nvPicPr>
-          <p:cNvPr id="3" name="Рисунок 2">
+          <p:cNvPr id="5" name="Рисунок 4">
             <a:extLst>
               <a:ext uri="{FF2B5EF4-FFF2-40B4-BE49-F238E27FC236}">
-                <a16:creationId xmlns:a16="http://schemas.microsoft.com/office/drawing/2014/main" id="{30C394B6-AFEE-4818-BAF3-B8C977E1F0F8}"/>
+                <a16:creationId xmlns:a16="http://schemas.microsoft.com/office/drawing/2014/main" id="{CAB0C87F-08FC-485C-A826-1A9746EFFBBB}"/>
               </a:ext>
             </a:extLst>
           </p:cNvPr>
@@ -4554,8 +4858,8 @@
         </p:blipFill>
         <p:spPr>
           <a:xfrm>
-            <a:off x="310719" y="1815488"/>
-            <a:ext cx="3409025" cy="2444383"/>
+            <a:off x="343189" y="1735654"/>
+            <a:ext cx="2885148" cy="2792880"/>
           </a:xfrm>
           <a:prstGeom prst="rect">
             <a:avLst/>
@@ -4564,10 +4868,10 @@
       </p:pic>
       <p:pic>
         <p:nvPicPr>
-          <p:cNvPr id="5" name="Рисунок 4">
+          <p:cNvPr id="13" name="Рисунок 12">
             <a:extLst>
               <a:ext uri="{FF2B5EF4-FFF2-40B4-BE49-F238E27FC236}">
-                <a16:creationId xmlns:a16="http://schemas.microsoft.com/office/drawing/2014/main" id="{A49C5848-4203-434F-97EC-80EBE039D925}"/>
+                <a16:creationId xmlns:a16="http://schemas.microsoft.com/office/drawing/2014/main" id="{971427F3-6A10-4D4B-AB43-21CDD8A961AE}"/>
               </a:ext>
             </a:extLst>
           </p:cNvPr>
@@ -4584,8 +4888,8 @@
         </p:blipFill>
         <p:spPr>
           <a:xfrm>
-            <a:off x="3578994" y="1835308"/>
-            <a:ext cx="5442011" cy="2268664"/>
+            <a:off x="3228337" y="1735654"/>
+            <a:ext cx="5672775" cy="2841825"/>
           </a:xfrm>
           <a:prstGeom prst="rect">
             <a:avLst/>
@@ -4619,7 +4923,7 @@
       </p:grpSpPr>
       <p:pic>
         <p:nvPicPr>
-          <p:cNvPr id="61" name="Picture 3"/>
+          <p:cNvPr id="80" name="Picture 6"/>
           <p:cNvPicPr/>
           <p:nvPr/>
         </p:nvPicPr>
@@ -4642,14 +4946,14 @@
       </p:pic>
       <p:sp>
         <p:nvSpPr>
-          <p:cNvPr id="62" name="TextBox 1"/>
+          <p:cNvPr id="81" name="TextBox 5"/>
           <p:cNvSpPr/>
           <p:nvPr/>
         </p:nvSpPr>
         <p:spPr>
           <a:xfrm>
-            <a:off x="3683880" y="222480"/>
-            <a:ext cx="2355840" cy="394560"/>
+            <a:off x="3423240" y="222480"/>
+            <a:ext cx="2876760" cy="394560"/>
           </a:xfrm>
           <a:prstGeom prst="rect">
             <a:avLst/>
@@ -4690,7 +4994,7 @@
                 <a:latin typeface="Times New Roman"/>
                 <a:ea typeface="DejaVu Sans"/>
               </a:rPr>
-              <a:t>Страница «каталог»</a:t>
+              <a:t>Страница «ошибка 404» </a:t>
             </a:r>
             <a:endParaRPr lang="ru-RU" sz="2000" b="0" strike="noStrike" spc="-1">
               <a:latin typeface="Arial"/>
@@ -4700,10 +5004,42 @@
       </p:sp>
       <p:sp>
         <p:nvSpPr>
-          <p:cNvPr id="6" name="TextBox 13">
+          <p:cNvPr id="82" name="Прямоугольник 5"/>
+          <p:cNvSpPr/>
+          <p:nvPr/>
+        </p:nvSpPr>
+        <p:spPr>
+          <a:xfrm>
+            <a:off x="1060920" y="750600"/>
+            <a:ext cx="3602520" cy="363240"/>
+          </a:xfrm>
+          <a:prstGeom prst="rect">
+            <a:avLst/>
+          </a:prstGeom>
+          <a:noFill/>
+          <a:ln w="0">
+            <a:noFill/>
+          </a:ln>
+        </p:spPr>
+        <p:style>
+          <a:lnRef idx="0">
+            <a:scrgbClr r="0" g="0" b="0"/>
+          </a:lnRef>
+          <a:fillRef idx="0">
+            <a:scrgbClr r="0" g="0" b="0"/>
+          </a:fillRef>
+          <a:effectRef idx="0">
+            <a:scrgbClr r="0" g="0" b="0"/>
+          </a:effectRef>
+          <a:fontRef idx="minor"/>
+        </p:style>
+      </p:sp>
+      <p:sp>
+        <p:nvSpPr>
+          <p:cNvPr id="7" name="TextBox 13">
             <a:extLst>
               <a:ext uri="{FF2B5EF4-FFF2-40B4-BE49-F238E27FC236}">
-                <a16:creationId xmlns:a16="http://schemas.microsoft.com/office/drawing/2014/main" id="{04778C3C-7345-49BE-B02E-8C235487BDAB}"/>
+                <a16:creationId xmlns:a16="http://schemas.microsoft.com/office/drawing/2014/main" id="{989BFD5C-DB9C-4930-9650-B4F80D1B22D3}"/>
               </a:ext>
             </a:extLst>
           </p:cNvPr>
@@ -4712,8 +5048,8 @@
         </p:nvSpPr>
         <p:spPr>
           <a:xfrm>
-            <a:off x="1660219" y="4825440"/>
-            <a:ext cx="860400" cy="394560"/>
+            <a:off x="1415755" y="4430880"/>
+            <a:ext cx="798913" cy="367878"/>
           </a:xfrm>
           <a:prstGeom prst="rect">
             <a:avLst/>
@@ -4747,7 +5083,7 @@
               </a:lnSpc>
             </a:pPr>
             <a:r>
-              <a:rPr lang="ru-RU" sz="2000" b="0" strike="noStrike" spc="-1" dirty="0">
+              <a:rPr lang="ru-RU" b="0" strike="noStrike" spc="-1" dirty="0">
                 <a:solidFill>
                   <a:srgbClr val="000000"/>
                 </a:solidFill>
@@ -4756,18 +5092,18 @@
               </a:rPr>
               <a:t>Макет</a:t>
             </a:r>
-            <a:endParaRPr lang="ru-RU" sz="2000" b="0" strike="noStrike" spc="-1" dirty="0">
-              <a:latin typeface="Arial"/>
-            </a:endParaRPr>
-          </a:p>
-        </p:txBody>
-      </p:sp>
-      <p:sp>
-        <p:nvSpPr>
-          <p:cNvPr id="7" name="TextBox 14">
+            <a:endParaRPr lang="ru-RU" b="0" strike="noStrike" spc="-1" dirty="0">
+              <a:latin typeface="Arial"/>
+            </a:endParaRPr>
+          </a:p>
+        </p:txBody>
+      </p:sp>
+      <p:sp>
+        <p:nvSpPr>
+          <p:cNvPr id="8" name="TextBox 14">
             <a:extLst>
               <a:ext uri="{FF2B5EF4-FFF2-40B4-BE49-F238E27FC236}">
-                <a16:creationId xmlns:a16="http://schemas.microsoft.com/office/drawing/2014/main" id="{08FE32DD-D842-4933-85D7-EE59CCF672C9}"/>
+                <a16:creationId xmlns:a16="http://schemas.microsoft.com/office/drawing/2014/main" id="{8BDCE4BB-CB1C-4743-98A2-58B383345B78}"/>
               </a:ext>
             </a:extLst>
           </p:cNvPr>
@@ -4776,8 +5112,8 @@
         </p:nvSpPr>
         <p:spPr>
           <a:xfrm>
-            <a:off x="4588920" y="4825440"/>
-            <a:ext cx="973800" cy="394560"/>
+            <a:off x="4349443" y="4430880"/>
+            <a:ext cx="902340" cy="367878"/>
           </a:xfrm>
           <a:prstGeom prst="rect">
             <a:avLst/>
@@ -4811,7 +5147,7 @@
               </a:lnSpc>
             </a:pPr>
             <a:r>
-              <a:rPr lang="ru-RU" sz="2000" b="0" strike="noStrike" spc="-1" dirty="0">
+              <a:rPr lang="ru-RU" b="0" strike="noStrike" spc="-1" dirty="0">
                 <a:solidFill>
                   <a:srgbClr val="000000"/>
                 </a:solidFill>
@@ -4820,18 +5156,18 @@
               </a:rPr>
               <a:t>Дизайн</a:t>
             </a:r>
-            <a:endParaRPr lang="ru-RU" sz="2000" b="0" strike="noStrike" spc="-1" dirty="0">
-              <a:latin typeface="Arial"/>
-            </a:endParaRPr>
-          </a:p>
-        </p:txBody>
-      </p:sp>
-      <p:sp>
-        <p:nvSpPr>
-          <p:cNvPr id="8" name="TextBox 15">
+            <a:endParaRPr lang="ru-RU" b="0" strike="noStrike" spc="-1" dirty="0">
+              <a:latin typeface="Arial"/>
+            </a:endParaRPr>
+          </a:p>
+        </p:txBody>
+      </p:sp>
+      <p:sp>
+        <p:nvSpPr>
+          <p:cNvPr id="9" name="TextBox 15">
             <a:extLst>
               <a:ext uri="{FF2B5EF4-FFF2-40B4-BE49-F238E27FC236}">
-                <a16:creationId xmlns:a16="http://schemas.microsoft.com/office/drawing/2014/main" id="{234DB4AA-F212-488C-A5F7-330C70383C97}"/>
+                <a16:creationId xmlns:a16="http://schemas.microsoft.com/office/drawing/2014/main" id="{C02C064E-F2A6-4C2A-A858-BFC8D363D007}"/>
               </a:ext>
             </a:extLst>
           </p:cNvPr>
@@ -4840,8 +5176,8 @@
         </p:nvSpPr>
         <p:spPr>
           <a:xfrm>
-            <a:off x="7275915" y="4825440"/>
-            <a:ext cx="1046880" cy="394560"/>
+            <a:off x="7040309" y="4430880"/>
+            <a:ext cx="967678" cy="367878"/>
           </a:xfrm>
           <a:prstGeom prst="rect">
             <a:avLst/>
@@ -4875,7 +5211,7 @@
               </a:lnSpc>
             </a:pPr>
             <a:r>
-              <a:rPr lang="ru-RU" sz="2000" b="0" strike="noStrike" spc="-1" dirty="0">
+              <a:rPr lang="ru-RU" b="0" strike="noStrike" spc="-1" dirty="0">
                 <a:solidFill>
                   <a:srgbClr val="000000"/>
                 </a:solidFill>
@@ -4884,7 +5220,7 @@
               </a:rPr>
               <a:t>Верстка</a:t>
             </a:r>
-            <a:endParaRPr lang="ru-RU" sz="2000" b="0" strike="noStrike" spc="-1" dirty="0">
+            <a:endParaRPr lang="ru-RU" b="0" strike="noStrike" spc="-1" dirty="0">
               <a:latin typeface="Arial"/>
             </a:endParaRPr>
           </a:p>
@@ -4892,10 +5228,10 @@
       </p:sp>
       <p:pic>
         <p:nvPicPr>
-          <p:cNvPr id="5" name="Рисунок 4">
+          <p:cNvPr id="3" name="Рисунок 2">
             <a:extLst>
               <a:ext uri="{FF2B5EF4-FFF2-40B4-BE49-F238E27FC236}">
-                <a16:creationId xmlns:a16="http://schemas.microsoft.com/office/drawing/2014/main" id="{5ACD54BF-71C6-4B73-85F0-2F09660599BE}"/>
+                <a16:creationId xmlns:a16="http://schemas.microsoft.com/office/drawing/2014/main" id="{30C394B6-AFEE-4818-BAF3-B8C977E1F0F8}"/>
               </a:ext>
             </a:extLst>
           </p:cNvPr>
@@ -4904,15 +5240,16 @@
           </p:cNvPicPr>
           <p:nvPr/>
         </p:nvPicPr>
-        <p:blipFill rotWithShape="1">
+        <p:blipFill>
           <a:blip r:embed="rId3"/>
-          <a:srcRect t="723" b="19025"/>
-          <a:stretch/>
+          <a:stretch>
+            <a:fillRect/>
+          </a:stretch>
         </p:blipFill>
         <p:spPr>
           <a:xfrm>
-            <a:off x="181800" y="1737442"/>
-            <a:ext cx="3298206" cy="2528412"/>
+            <a:off x="310719" y="1815488"/>
+            <a:ext cx="3409025" cy="2444383"/>
           </a:xfrm>
           <a:prstGeom prst="rect">
             <a:avLst/>
@@ -4921,10 +5258,10 @@
       </p:pic>
       <p:pic>
         <p:nvPicPr>
-          <p:cNvPr id="3" name="Рисунок 2">
+          <p:cNvPr id="5" name="Рисунок 4">
             <a:extLst>
               <a:ext uri="{FF2B5EF4-FFF2-40B4-BE49-F238E27FC236}">
-                <a16:creationId xmlns:a16="http://schemas.microsoft.com/office/drawing/2014/main" id="{A58A4400-C2AC-4316-A4A3-7CE46D6CC2DA}"/>
+                <a16:creationId xmlns:a16="http://schemas.microsoft.com/office/drawing/2014/main" id="{A49C5848-4203-434F-97EC-80EBE039D925}"/>
               </a:ext>
             </a:extLst>
           </p:cNvPr>
@@ -4933,15 +5270,16 @@
           </p:cNvPicPr>
           <p:nvPr/>
         </p:nvPicPr>
-        <p:blipFill rotWithShape="1">
+        <p:blipFill>
           <a:blip r:embed="rId4"/>
-          <a:srcRect t="553"/>
-          <a:stretch/>
+          <a:stretch>
+            <a:fillRect/>
+          </a:stretch>
         </p:blipFill>
         <p:spPr>
           <a:xfrm>
-            <a:off x="3502866" y="1737442"/>
-            <a:ext cx="5365640" cy="2546438"/>
+            <a:off x="3578994" y="1835308"/>
+            <a:ext cx="5442011" cy="2268664"/>
           </a:xfrm>
           <a:prstGeom prst="rect">
             <a:avLst/>
@@ -4975,7 +5313,7 @@
       </p:grpSpPr>
       <p:pic>
         <p:nvPicPr>
-          <p:cNvPr id="55" name="Picture 3"/>
+          <p:cNvPr id="61" name="Picture 3"/>
           <p:cNvPicPr/>
           <p:nvPr/>
         </p:nvPicPr>
@@ -4998,14 +5336,14 @@
       </p:pic>
       <p:sp>
         <p:nvSpPr>
-          <p:cNvPr id="56" name="TextBox 1"/>
+          <p:cNvPr id="62" name="TextBox 1"/>
           <p:cNvSpPr/>
           <p:nvPr/>
         </p:nvSpPr>
         <p:spPr>
           <a:xfrm>
-            <a:off x="2834257" y="222480"/>
-            <a:ext cx="4055447" cy="398655"/>
+            <a:off x="3683880" y="222480"/>
+            <a:ext cx="2355840" cy="394560"/>
           </a:xfrm>
           <a:prstGeom prst="rect">
             <a:avLst/>
@@ -5039,31 +5377,37 @@
               </a:lnSpc>
             </a:pPr>
             <a:r>
-              <a:rPr lang="ru-RU" sz="2000" b="0" strike="noStrike" spc="-1" dirty="0">
+              <a:rPr lang="ru-RU" sz="2000" b="0" strike="noStrike" spc="-1">
                 <a:solidFill>
                   <a:srgbClr val="000000"/>
                 </a:solidFill>
                 <a:latin typeface="Times New Roman"/>
                 <a:ea typeface="DejaVu Sans"/>
               </a:rPr>
-              <a:t>Страница  «информацией о товаре»</a:t>
-            </a:r>
-            <a:endParaRPr lang="ru-RU" sz="2000" b="0" strike="noStrike" spc="-1" dirty="0">
-              <a:latin typeface="Arial"/>
-            </a:endParaRPr>
-          </a:p>
-        </p:txBody>
-      </p:sp>
-      <p:sp>
-        <p:nvSpPr>
-          <p:cNvPr id="57" name="TextBox 2"/>
+              <a:t>Страница «каталог»</a:t>
+            </a:r>
+            <a:endParaRPr lang="ru-RU" sz="2000" b="0" strike="noStrike" spc="-1">
+              <a:latin typeface="Arial"/>
+            </a:endParaRPr>
+          </a:p>
+        </p:txBody>
+      </p:sp>
+      <p:sp>
+        <p:nvSpPr>
+          <p:cNvPr id="6" name="TextBox 13">
+            <a:extLst>
+              <a:ext uri="{FF2B5EF4-FFF2-40B4-BE49-F238E27FC236}">
+                <a16:creationId xmlns:a16="http://schemas.microsoft.com/office/drawing/2014/main" id="{04778C3C-7345-49BE-B02E-8C235487BDAB}"/>
+              </a:ext>
+            </a:extLst>
+          </p:cNvPr>
           <p:cNvSpPr/>
           <p:nvPr/>
         </p:nvSpPr>
         <p:spPr>
           <a:xfrm>
-            <a:off x="978120" y="792720"/>
-            <a:ext cx="3881160" cy="363960"/>
+            <a:off x="1690962" y="4825440"/>
+            <a:ext cx="798913" cy="367878"/>
           </a:xfrm>
           <a:prstGeom prst="rect">
             <a:avLst/>
@@ -5086,38 +5430,38 @@
           <a:fontRef idx="minor"/>
         </p:style>
         <p:txBody>
-          <a:bodyPr lIns="90000" tIns="45000" rIns="90000" bIns="45000" anchor="t">
+          <a:bodyPr wrap="none" lIns="90000" tIns="45000" rIns="90000" bIns="45000" anchor="t">
             <a:spAutoFit/>
           </a:bodyPr>
           <a:lstStyle/>
           <a:p>
-            <a:pPr>
+            <a:pPr algn="ctr">
               <a:lnSpc>
                 <a:spcPct val="100000"/>
               </a:lnSpc>
             </a:pPr>
             <a:r>
-              <a:rPr lang="ru-RU" sz="1800" b="0" strike="noStrike" spc="-1">
+              <a:rPr lang="ru-RU" b="0" strike="noStrike" spc="-1" dirty="0">
                 <a:solidFill>
                   <a:srgbClr val="000000"/>
                 </a:solidFill>
                 <a:latin typeface="Times New Roman"/>
                 <a:ea typeface="DejaVu Sans"/>
               </a:rPr>
-              <a:t> </a:t>
-            </a:r>
-            <a:endParaRPr lang="ru-RU" sz="1800" b="0" strike="noStrike" spc="-1">
-              <a:latin typeface="Arial"/>
-            </a:endParaRPr>
-          </a:p>
-        </p:txBody>
-      </p:sp>
-      <p:sp>
-        <p:nvSpPr>
-          <p:cNvPr id="8" name="TextBox 13">
+              <a:t>Макет</a:t>
+            </a:r>
+            <a:endParaRPr lang="ru-RU" b="0" strike="noStrike" spc="-1" dirty="0">
+              <a:latin typeface="Arial"/>
+            </a:endParaRPr>
+          </a:p>
+        </p:txBody>
+      </p:sp>
+      <p:sp>
+        <p:nvSpPr>
+          <p:cNvPr id="7" name="TextBox 14">
             <a:extLst>
               <a:ext uri="{FF2B5EF4-FFF2-40B4-BE49-F238E27FC236}">
-                <a16:creationId xmlns:a16="http://schemas.microsoft.com/office/drawing/2014/main" id="{C9AB6130-DFF2-4749-8012-A4F40764A7CD}"/>
+                <a16:creationId xmlns:a16="http://schemas.microsoft.com/office/drawing/2014/main" id="{08FE32DD-D842-4933-85D7-EE59CCF672C9}"/>
               </a:ext>
             </a:extLst>
           </p:cNvPr>
@@ -5126,8 +5470,8 @@
         </p:nvSpPr>
         <p:spPr>
           <a:xfrm>
-            <a:off x="1701624" y="4357230"/>
-            <a:ext cx="860400" cy="394560"/>
+            <a:off x="4624650" y="4825440"/>
+            <a:ext cx="902340" cy="367878"/>
           </a:xfrm>
           <a:prstGeom prst="rect">
             <a:avLst/>
@@ -5161,27 +5505,27 @@
               </a:lnSpc>
             </a:pPr>
             <a:r>
-              <a:rPr lang="ru-RU" sz="2000" b="0" strike="noStrike" spc="-1" dirty="0">
+              <a:rPr lang="ru-RU" b="0" strike="noStrike" spc="-1" dirty="0">
                 <a:solidFill>
                   <a:srgbClr val="000000"/>
                 </a:solidFill>
                 <a:latin typeface="Times New Roman"/>
                 <a:ea typeface="DejaVu Sans"/>
               </a:rPr>
-              <a:t>Макет</a:t>
-            </a:r>
-            <a:endParaRPr lang="ru-RU" sz="2000" b="0" strike="noStrike" spc="-1" dirty="0">
-              <a:latin typeface="Arial"/>
-            </a:endParaRPr>
-          </a:p>
-        </p:txBody>
-      </p:sp>
-      <p:sp>
-        <p:nvSpPr>
-          <p:cNvPr id="9" name="TextBox 14">
+              <a:t>Дизайн</a:t>
+            </a:r>
+            <a:endParaRPr lang="ru-RU" b="0" strike="noStrike" spc="-1" dirty="0">
+              <a:latin typeface="Arial"/>
+            </a:endParaRPr>
+          </a:p>
+        </p:txBody>
+      </p:sp>
+      <p:sp>
+        <p:nvSpPr>
+          <p:cNvPr id="8" name="TextBox 15">
             <a:extLst>
               <a:ext uri="{FF2B5EF4-FFF2-40B4-BE49-F238E27FC236}">
-                <a16:creationId xmlns:a16="http://schemas.microsoft.com/office/drawing/2014/main" id="{27E1E4BD-1B77-45EF-B2B2-8F48AFA40524}"/>
+                <a16:creationId xmlns:a16="http://schemas.microsoft.com/office/drawing/2014/main" id="{234DB4AA-F212-488C-A5F7-330C70383C97}"/>
               </a:ext>
             </a:extLst>
           </p:cNvPr>
@@ -5190,8 +5534,8 @@
         </p:nvSpPr>
         <p:spPr>
           <a:xfrm>
-            <a:off x="4572000" y="4357230"/>
-            <a:ext cx="973800" cy="394560"/>
+            <a:off x="7315515" y="4825440"/>
+            <a:ext cx="967679" cy="367878"/>
           </a:xfrm>
           <a:prstGeom prst="rect">
             <a:avLst/>
@@ -5225,80 +5569,16 @@
               </a:lnSpc>
             </a:pPr>
             <a:r>
-              <a:rPr lang="ru-RU" sz="2000" b="0" strike="noStrike" spc="-1" dirty="0">
+              <a:rPr lang="ru-RU" b="0" strike="noStrike" spc="-1" dirty="0">
                 <a:solidFill>
                   <a:srgbClr val="000000"/>
                 </a:solidFill>
                 <a:latin typeface="Times New Roman"/>
                 <a:ea typeface="DejaVu Sans"/>
               </a:rPr>
-              <a:t>Дизайн</a:t>
-            </a:r>
-            <a:endParaRPr lang="ru-RU" sz="2000" b="0" strike="noStrike" spc="-1" dirty="0">
-              <a:latin typeface="Arial"/>
-            </a:endParaRPr>
-          </a:p>
-        </p:txBody>
-      </p:sp>
-      <p:sp>
-        <p:nvSpPr>
-          <p:cNvPr id="10" name="TextBox 15">
-            <a:extLst>
-              <a:ext uri="{FF2B5EF4-FFF2-40B4-BE49-F238E27FC236}">
-                <a16:creationId xmlns:a16="http://schemas.microsoft.com/office/drawing/2014/main" id="{A93F6350-5445-4450-A8CF-D6C278558882}"/>
-              </a:ext>
-            </a:extLst>
-          </p:cNvPr>
-          <p:cNvSpPr/>
-          <p:nvPr/>
-        </p:nvSpPr>
-        <p:spPr>
-          <a:xfrm>
-            <a:off x="7258995" y="4357230"/>
-            <a:ext cx="1046880" cy="394560"/>
-          </a:xfrm>
-          <a:prstGeom prst="rect">
-            <a:avLst/>
-          </a:prstGeom>
-          <a:noFill/>
-          <a:ln w="0">
-            <a:noFill/>
-          </a:ln>
-        </p:spPr>
-        <p:style>
-          <a:lnRef idx="0">
-            <a:scrgbClr r="0" g="0" b="0"/>
-          </a:lnRef>
-          <a:fillRef idx="0">
-            <a:scrgbClr r="0" g="0" b="0"/>
-          </a:fillRef>
-          <a:effectRef idx="0">
-            <a:scrgbClr r="0" g="0" b="0"/>
-          </a:effectRef>
-          <a:fontRef idx="minor"/>
-        </p:style>
-        <p:txBody>
-          <a:bodyPr wrap="none" lIns="90000" tIns="45000" rIns="90000" bIns="45000" anchor="t">
-            <a:spAutoFit/>
-          </a:bodyPr>
-          <a:lstStyle/>
-          <a:p>
-            <a:pPr algn="ctr">
-              <a:lnSpc>
-                <a:spcPct val="100000"/>
-              </a:lnSpc>
-            </a:pPr>
-            <a:r>
-              <a:rPr lang="ru-RU" sz="2000" b="0" strike="noStrike" spc="-1" dirty="0">
-                <a:solidFill>
-                  <a:srgbClr val="000000"/>
-                </a:solidFill>
-                <a:latin typeface="Times New Roman"/>
-                <a:ea typeface="DejaVu Sans"/>
-              </a:rPr>
               <a:t>Верстка</a:t>
             </a:r>
-            <a:endParaRPr lang="ru-RU" sz="2000" b="0" strike="noStrike" spc="-1" dirty="0">
+            <a:endParaRPr lang="ru-RU" b="0" strike="noStrike" spc="-1" dirty="0">
               <a:latin typeface="Arial"/>
             </a:endParaRPr>
           </a:p>
@@ -5309,7 +5589,7 @@
           <p:cNvPr id="5" name="Рисунок 4">
             <a:extLst>
               <a:ext uri="{FF2B5EF4-FFF2-40B4-BE49-F238E27FC236}">
-                <a16:creationId xmlns:a16="http://schemas.microsoft.com/office/drawing/2014/main" id="{B57EA610-8DB0-4695-A5B0-4B8359CECA8F}"/>
+                <a16:creationId xmlns:a16="http://schemas.microsoft.com/office/drawing/2014/main" id="{5ACD54BF-71C6-4B73-85F0-2F09660599BE}"/>
               </a:ext>
             </a:extLst>
           </p:cNvPr>
@@ -5320,13 +5600,13 @@
         </p:nvPicPr>
         <p:blipFill rotWithShape="1">
           <a:blip r:embed="rId3"/>
-          <a:srcRect l="6985"/>
+          <a:srcRect t="723" b="19025"/>
           <a:stretch/>
         </p:blipFill>
         <p:spPr>
           <a:xfrm>
-            <a:off x="181800" y="1779943"/>
-            <a:ext cx="3301802" cy="2097739"/>
+            <a:off x="181800" y="1737442"/>
+            <a:ext cx="3298206" cy="2528412"/>
           </a:xfrm>
           <a:prstGeom prst="rect">
             <a:avLst/>
@@ -5335,10 +5615,10 @@
       </p:pic>
       <p:pic>
         <p:nvPicPr>
-          <p:cNvPr id="15" name="Рисунок 14">
+          <p:cNvPr id="3" name="Рисунок 2">
             <a:extLst>
               <a:ext uri="{FF2B5EF4-FFF2-40B4-BE49-F238E27FC236}">
-                <a16:creationId xmlns:a16="http://schemas.microsoft.com/office/drawing/2014/main" id="{F0C1C078-51A1-4CCA-AD09-7D4DEE9968C8}"/>
+                <a16:creationId xmlns:a16="http://schemas.microsoft.com/office/drawing/2014/main" id="{A58A4400-C2AC-4316-A4A3-7CE46D6CC2DA}"/>
               </a:ext>
             </a:extLst>
           </p:cNvPr>
@@ -5349,13 +5629,13 @@
         </p:nvPicPr>
         <p:blipFill rotWithShape="1">
           <a:blip r:embed="rId4"/>
-          <a:srcRect l="4435"/>
+          <a:srcRect t="553"/>
           <a:stretch/>
         </p:blipFill>
         <p:spPr>
           <a:xfrm>
-            <a:off x="3313116" y="1715719"/>
-            <a:ext cx="5567617" cy="2476975"/>
+            <a:off x="3502866" y="1737442"/>
+            <a:ext cx="5365640" cy="2546438"/>
           </a:xfrm>
           <a:prstGeom prst="rect">
             <a:avLst/>
@@ -5389,7 +5669,7 @@
       </p:grpSpPr>
       <p:pic>
         <p:nvPicPr>
-          <p:cNvPr id="70" name="Picture 3"/>
+          <p:cNvPr id="55" name="Picture 3"/>
           <p:cNvPicPr/>
           <p:nvPr/>
         </p:nvPicPr>
@@ -5412,14 +5692,14 @@
       </p:pic>
       <p:sp>
         <p:nvSpPr>
-          <p:cNvPr id="71" name="TextBox 1"/>
+          <p:cNvPr id="56" name="TextBox 1"/>
           <p:cNvSpPr/>
           <p:nvPr/>
         </p:nvSpPr>
         <p:spPr>
           <a:xfrm>
-            <a:off x="3621702" y="222480"/>
-            <a:ext cx="2479118" cy="398655"/>
+            <a:off x="2888695" y="222480"/>
+            <a:ext cx="3946571" cy="398655"/>
           </a:xfrm>
           <a:prstGeom prst="rect">
             <a:avLst/>
@@ -5452,16 +5732,6 @@
                 <a:spcPct val="100000"/>
               </a:lnSpc>
             </a:pPr>
-            <a:r>
-              <a:rPr lang="ru-RU" sz="2000" spc="-1" dirty="0">
-                <a:solidFill>
-                  <a:srgbClr val="000000"/>
-                </a:solidFill>
-                <a:latin typeface="Times New Roman"/>
-                <a:ea typeface="DejaVu Sans"/>
-              </a:rPr>
-              <a:t>С</a:t>
-            </a:r>
             <a:r>
               <a:rPr lang="ru-RU" sz="2000" b="0" strike="noStrike" spc="-1" dirty="0">
                 <a:solidFill>
@@ -5470,7 +5740,7 @@
                 <a:latin typeface="Times New Roman"/>
                 <a:ea typeface="DejaVu Sans"/>
               </a:rPr>
-              <a:t>траница «корзина» </a:t>
+              <a:t>Страница  «информация о товаре»</a:t>
             </a:r>
             <a:endParaRPr lang="ru-RU" sz="2000" b="0" strike="noStrike" spc="-1" dirty="0">
               <a:latin typeface="Arial"/>
@@ -5480,20 +5750,14 @@
       </p:sp>
       <p:sp>
         <p:nvSpPr>
-          <p:cNvPr id="7" name="TextBox 13">
-            <a:extLst>
-              <a:ext uri="{FF2B5EF4-FFF2-40B4-BE49-F238E27FC236}">
-                <a16:creationId xmlns:a16="http://schemas.microsoft.com/office/drawing/2014/main" id="{8B3FCEBF-54DB-4A44-9690-DF2BFFE6684E}"/>
-              </a:ext>
-            </a:extLst>
-          </p:cNvPr>
+          <p:cNvPr id="57" name="TextBox 2"/>
           <p:cNvSpPr/>
           <p:nvPr/>
         </p:nvSpPr>
         <p:spPr>
           <a:xfrm>
-            <a:off x="1660219" y="4825440"/>
-            <a:ext cx="860400" cy="394560"/>
+            <a:off x="978120" y="792720"/>
+            <a:ext cx="3881160" cy="363960"/>
           </a:xfrm>
           <a:prstGeom prst="rect">
             <a:avLst/>
@@ -5516,38 +5780,38 @@
           <a:fontRef idx="minor"/>
         </p:style>
         <p:txBody>
-          <a:bodyPr wrap="none" lIns="90000" tIns="45000" rIns="90000" bIns="45000" anchor="t">
+          <a:bodyPr lIns="90000" tIns="45000" rIns="90000" bIns="45000" anchor="t">
             <a:spAutoFit/>
           </a:bodyPr>
           <a:lstStyle/>
           <a:p>
-            <a:pPr algn="ctr">
+            <a:pPr>
               <a:lnSpc>
                 <a:spcPct val="100000"/>
               </a:lnSpc>
             </a:pPr>
             <a:r>
-              <a:rPr lang="ru-RU" sz="2000" b="0" strike="noStrike" spc="-1" dirty="0">
+              <a:rPr lang="ru-RU" sz="1800" b="0" strike="noStrike" spc="-1">
                 <a:solidFill>
                   <a:srgbClr val="000000"/>
                 </a:solidFill>
                 <a:latin typeface="Times New Roman"/>
                 <a:ea typeface="DejaVu Sans"/>
               </a:rPr>
-              <a:t>Макет</a:t>
-            </a:r>
-            <a:endParaRPr lang="ru-RU" sz="2000" b="0" strike="noStrike" spc="-1" dirty="0">
-              <a:latin typeface="Arial"/>
-            </a:endParaRPr>
-          </a:p>
-        </p:txBody>
-      </p:sp>
-      <p:sp>
-        <p:nvSpPr>
-          <p:cNvPr id="8" name="TextBox 14">
+              <a:t> </a:t>
+            </a:r>
+            <a:endParaRPr lang="ru-RU" sz="1800" b="0" strike="noStrike" spc="-1">
+              <a:latin typeface="Arial"/>
+            </a:endParaRPr>
+          </a:p>
+        </p:txBody>
+      </p:sp>
+      <p:sp>
+        <p:nvSpPr>
+          <p:cNvPr id="8" name="TextBox 13">
             <a:extLst>
               <a:ext uri="{FF2B5EF4-FFF2-40B4-BE49-F238E27FC236}">
-                <a16:creationId xmlns:a16="http://schemas.microsoft.com/office/drawing/2014/main" id="{01657936-5250-4BC4-9A7E-33CCB799551F}"/>
+                <a16:creationId xmlns:a16="http://schemas.microsoft.com/office/drawing/2014/main" id="{C9AB6130-DFF2-4749-8012-A4F40764A7CD}"/>
               </a:ext>
             </a:extLst>
           </p:cNvPr>
@@ -5556,8 +5820,8 @@
         </p:nvSpPr>
         <p:spPr>
           <a:xfrm>
-            <a:off x="4588920" y="4825440"/>
-            <a:ext cx="973800" cy="394560"/>
+            <a:off x="1732367" y="4357230"/>
+            <a:ext cx="798913" cy="367878"/>
           </a:xfrm>
           <a:prstGeom prst="rect">
             <a:avLst/>
@@ -5591,27 +5855,27 @@
               </a:lnSpc>
             </a:pPr>
             <a:r>
-              <a:rPr lang="ru-RU" sz="2000" b="0" strike="noStrike" spc="-1" dirty="0">
+              <a:rPr lang="ru-RU" b="0" strike="noStrike" spc="-1" dirty="0">
                 <a:solidFill>
                   <a:srgbClr val="000000"/>
                 </a:solidFill>
                 <a:latin typeface="Times New Roman"/>
                 <a:ea typeface="DejaVu Sans"/>
               </a:rPr>
-              <a:t>Дизайн</a:t>
-            </a:r>
-            <a:endParaRPr lang="ru-RU" sz="2000" b="0" strike="noStrike" spc="-1" dirty="0">
-              <a:latin typeface="Arial"/>
-            </a:endParaRPr>
-          </a:p>
-        </p:txBody>
-      </p:sp>
-      <p:sp>
-        <p:nvSpPr>
-          <p:cNvPr id="9" name="TextBox 15">
+              <a:t>Макет</a:t>
+            </a:r>
+            <a:endParaRPr lang="ru-RU" b="0" strike="noStrike" spc="-1" dirty="0">
+              <a:latin typeface="Arial"/>
+            </a:endParaRPr>
+          </a:p>
+        </p:txBody>
+      </p:sp>
+      <p:sp>
+        <p:nvSpPr>
+          <p:cNvPr id="9" name="TextBox 14">
             <a:extLst>
               <a:ext uri="{FF2B5EF4-FFF2-40B4-BE49-F238E27FC236}">
-                <a16:creationId xmlns:a16="http://schemas.microsoft.com/office/drawing/2014/main" id="{511E2350-8DF0-4EB6-9187-A1C06700B308}"/>
+                <a16:creationId xmlns:a16="http://schemas.microsoft.com/office/drawing/2014/main" id="{27E1E4BD-1B77-45EF-B2B2-8F48AFA40524}"/>
               </a:ext>
             </a:extLst>
           </p:cNvPr>
@@ -5620,8 +5884,8 @@
         </p:nvSpPr>
         <p:spPr>
           <a:xfrm>
-            <a:off x="7275915" y="4825440"/>
-            <a:ext cx="1046880" cy="394560"/>
+            <a:off x="4607730" y="4357230"/>
+            <a:ext cx="902340" cy="367878"/>
           </a:xfrm>
           <a:prstGeom prst="rect">
             <a:avLst/>
@@ -5655,16 +5919,80 @@
               </a:lnSpc>
             </a:pPr>
             <a:r>
-              <a:rPr lang="ru-RU" sz="2000" b="0" strike="noStrike" spc="-1" dirty="0">
+              <a:rPr lang="ru-RU" b="0" strike="noStrike" spc="-1" dirty="0">
                 <a:solidFill>
                   <a:srgbClr val="000000"/>
                 </a:solidFill>
                 <a:latin typeface="Times New Roman"/>
                 <a:ea typeface="DejaVu Sans"/>
               </a:rPr>
+              <a:t>Дизайн</a:t>
+            </a:r>
+            <a:endParaRPr lang="ru-RU" b="0" strike="noStrike" spc="-1" dirty="0">
+              <a:latin typeface="Arial"/>
+            </a:endParaRPr>
+          </a:p>
+        </p:txBody>
+      </p:sp>
+      <p:sp>
+        <p:nvSpPr>
+          <p:cNvPr id="10" name="TextBox 15">
+            <a:extLst>
+              <a:ext uri="{FF2B5EF4-FFF2-40B4-BE49-F238E27FC236}">
+                <a16:creationId xmlns:a16="http://schemas.microsoft.com/office/drawing/2014/main" id="{A93F6350-5445-4450-A8CF-D6C278558882}"/>
+              </a:ext>
+            </a:extLst>
+          </p:cNvPr>
+          <p:cNvSpPr/>
+          <p:nvPr/>
+        </p:nvSpPr>
+        <p:spPr>
+          <a:xfrm>
+            <a:off x="7298595" y="4357230"/>
+            <a:ext cx="967679" cy="367878"/>
+          </a:xfrm>
+          <a:prstGeom prst="rect">
+            <a:avLst/>
+          </a:prstGeom>
+          <a:noFill/>
+          <a:ln w="0">
+            <a:noFill/>
+          </a:ln>
+        </p:spPr>
+        <p:style>
+          <a:lnRef idx="0">
+            <a:scrgbClr r="0" g="0" b="0"/>
+          </a:lnRef>
+          <a:fillRef idx="0">
+            <a:scrgbClr r="0" g="0" b="0"/>
+          </a:fillRef>
+          <a:effectRef idx="0">
+            <a:scrgbClr r="0" g="0" b="0"/>
+          </a:effectRef>
+          <a:fontRef idx="minor"/>
+        </p:style>
+        <p:txBody>
+          <a:bodyPr wrap="none" lIns="90000" tIns="45000" rIns="90000" bIns="45000" anchor="t">
+            <a:spAutoFit/>
+          </a:bodyPr>
+          <a:lstStyle/>
+          <a:p>
+            <a:pPr algn="ctr">
+              <a:lnSpc>
+                <a:spcPct val="100000"/>
+              </a:lnSpc>
+            </a:pPr>
+            <a:r>
+              <a:rPr lang="ru-RU" b="0" strike="noStrike" spc="-1" dirty="0">
+                <a:solidFill>
+                  <a:srgbClr val="000000"/>
+                </a:solidFill>
+                <a:latin typeface="Times New Roman"/>
+                <a:ea typeface="DejaVu Sans"/>
+              </a:rPr>
               <a:t>Верстка</a:t>
             </a:r>
-            <a:endParaRPr lang="ru-RU" sz="2000" b="0" strike="noStrike" spc="-1" dirty="0">
+            <a:endParaRPr lang="ru-RU" b="0" strike="noStrike" spc="-1" dirty="0">
               <a:latin typeface="Arial"/>
             </a:endParaRPr>
           </a:p>
@@ -5675,7 +6003,7 @@
           <p:cNvPr id="5" name="Рисунок 4">
             <a:extLst>
               <a:ext uri="{FF2B5EF4-FFF2-40B4-BE49-F238E27FC236}">
-                <a16:creationId xmlns:a16="http://schemas.microsoft.com/office/drawing/2014/main" id="{C71F9044-30D0-4A8E-83E0-7BA18E9C8B50}"/>
+                <a16:creationId xmlns:a16="http://schemas.microsoft.com/office/drawing/2014/main" id="{B57EA610-8DB0-4695-A5B0-4B8359CECA8F}"/>
               </a:ext>
             </a:extLst>
           </p:cNvPr>
@@ -5684,16 +6012,15 @@
           </p:cNvPicPr>
           <p:nvPr/>
         </p:nvPicPr>
-        <p:blipFill>
+        <p:blipFill rotWithShape="1">
           <a:blip r:embed="rId3"/>
-          <a:stretch>
-            <a:fillRect/>
-          </a:stretch>
+          <a:srcRect l="6985"/>
+          <a:stretch/>
         </p:blipFill>
         <p:spPr>
           <a:xfrm>
-            <a:off x="3472011" y="1311645"/>
-            <a:ext cx="5458924" cy="3375765"/>
+            <a:off x="181800" y="1779943"/>
+            <a:ext cx="3301802" cy="2097739"/>
           </a:xfrm>
           <a:prstGeom prst="rect">
             <a:avLst/>
@@ -5702,10 +6029,10 @@
       </p:pic>
       <p:pic>
         <p:nvPicPr>
-          <p:cNvPr id="10" name="Рисунок 9">
+          <p:cNvPr id="15" name="Рисунок 14">
             <a:extLst>
               <a:ext uri="{FF2B5EF4-FFF2-40B4-BE49-F238E27FC236}">
-                <a16:creationId xmlns:a16="http://schemas.microsoft.com/office/drawing/2014/main" id="{E2BF6B8D-21E1-434B-8F3B-E8B4EE19B4DA}"/>
+                <a16:creationId xmlns:a16="http://schemas.microsoft.com/office/drawing/2014/main" id="{F0C1C078-51A1-4CCA-AD09-7D4DEE9968C8}"/>
               </a:ext>
             </a:extLst>
           </p:cNvPr>
@@ -5714,16 +6041,15 @@
           </p:cNvPicPr>
           <p:nvPr/>
         </p:nvPicPr>
-        <p:blipFill>
+        <p:blipFill rotWithShape="1">
           <a:blip r:embed="rId4"/>
-          <a:stretch>
-            <a:fillRect/>
-          </a:stretch>
+          <a:srcRect l="4435"/>
+          <a:stretch/>
         </p:blipFill>
         <p:spPr>
           <a:xfrm>
-            <a:off x="149359" y="1440369"/>
-            <a:ext cx="3296861" cy="3118315"/>
+            <a:off x="3313116" y="1715719"/>
+            <a:ext cx="5567617" cy="2476975"/>
           </a:xfrm>
           <a:prstGeom prst="rect">
             <a:avLst/>
